--- a/Docs/Predicting Risk of Heart Disease with Machine Learning.pptx
+++ b/Docs/Predicting Risk of Heart Disease with Machine Learning.pptx
@@ -8,12 +8,14 @@
     <p:sldId id="256" r:id="rId2"/>
     <p:sldId id="258" r:id="rId3"/>
     <p:sldId id="257" r:id="rId4"/>
-    <p:sldId id="261" r:id="rId5"/>
-    <p:sldId id="259" r:id="rId6"/>
-    <p:sldId id="262" r:id="rId7"/>
-    <p:sldId id="263" r:id="rId8"/>
-    <p:sldId id="264" r:id="rId9"/>
-    <p:sldId id="265" r:id="rId10"/>
+    <p:sldId id="267" r:id="rId5"/>
+    <p:sldId id="268" r:id="rId6"/>
+    <p:sldId id="261" r:id="rId7"/>
+    <p:sldId id="259" r:id="rId8"/>
+    <p:sldId id="262" r:id="rId9"/>
+    <p:sldId id="263" r:id="rId10"/>
+    <p:sldId id="264" r:id="rId11"/>
+    <p:sldId id="265" r:id="rId12"/>
   </p:sldIdLst>
   <p:sldSz cx="12192000" cy="6858000"/>
   <p:notesSz cx="6858000" cy="9144000"/>
@@ -9456,1549 +9458,7 @@
 </p:sld>
 </file>
 
-<file path=ppt/slides/slide2.xml><?xml version="1.0" encoding="utf-8"?>
-<p:sld xmlns:a="http://schemas.openxmlformats.org/drawingml/2006/main" xmlns:r="http://schemas.openxmlformats.org/officeDocument/2006/relationships" xmlns:p="http://schemas.openxmlformats.org/presentationml/2006/main">
-  <p:cSld>
-    <p:spTree>
-      <p:nvGrpSpPr>
-        <p:cNvPr id="1" name=""/>
-        <p:cNvGrpSpPr/>
-        <p:nvPr/>
-      </p:nvGrpSpPr>
-      <p:grpSpPr>
-        <a:xfrm>
-          <a:off x="0" y="0"/>
-          <a:ext cx="0" cy="0"/>
-          <a:chOff x="0" y="0"/>
-          <a:chExt cx="0" cy="0"/>
-        </a:xfrm>
-      </p:grpSpPr>
-      <p:sp>
-        <p:nvSpPr>
-          <p:cNvPr id="2" name="Title 1">
-            <a:extLst>
-              <a:ext uri="{FF2B5EF4-FFF2-40B4-BE49-F238E27FC236}">
-                <a16:creationId xmlns:a16="http://schemas.microsoft.com/office/drawing/2014/main" id="{FA400612-4986-42B4-82A3-6C6F35DF4866}"/>
-              </a:ext>
-            </a:extLst>
-          </p:cNvPr>
-          <p:cNvSpPr>
-            <a:spLocks noGrp="1"/>
-          </p:cNvSpPr>
-          <p:nvPr>
-            <p:ph type="title"/>
-          </p:nvPr>
-        </p:nvSpPr>
-        <p:spPr>
-          <a:xfrm>
-            <a:off x="838200" y="365125"/>
-            <a:ext cx="10515600" cy="1325563"/>
-          </a:xfrm>
-        </p:spPr>
-        <p:txBody>
-          <a:bodyPr>
-            <a:normAutofit/>
-          </a:bodyPr>
-          <a:lstStyle/>
-          <a:p>
-            <a:r>
-              <a:rPr lang="en-US" sz="6600" b="1" u="sng"/>
-              <a:t>Heart Disease</a:t>
-            </a:r>
-            <a:endParaRPr lang="en-US" sz="6600" b="1" u="sng" dirty="0"/>
-          </a:p>
-        </p:txBody>
-      </p:sp>
-      <p:sp>
-        <p:nvSpPr>
-          <p:cNvPr id="3" name="Content Placeholder 2">
-            <a:extLst>
-              <a:ext uri="{FF2B5EF4-FFF2-40B4-BE49-F238E27FC236}">
-                <a16:creationId xmlns:a16="http://schemas.microsoft.com/office/drawing/2014/main" id="{3BC0BB97-B0F5-4A8B-8478-D6C50E509D55}"/>
-              </a:ext>
-            </a:extLst>
-          </p:cNvPr>
-          <p:cNvSpPr>
-            <a:spLocks noGrp="1"/>
-          </p:cNvSpPr>
-          <p:nvPr>
-            <p:ph idx="1"/>
-          </p:nvPr>
-        </p:nvSpPr>
-        <p:spPr/>
-        <p:txBody>
-          <a:bodyPr>
-            <a:normAutofit lnSpcReduction="10000"/>
-          </a:bodyPr>
-          <a:lstStyle/>
-          <a:p>
-            <a:r>
-              <a:rPr lang="en-US" dirty="0"/>
-              <a:t>Blood Vessel Diseases (coronary artery disease)</a:t>
-            </a:r>
-          </a:p>
-          <a:p>
-            <a:r>
-              <a:rPr lang="en-US" dirty="0"/>
-              <a:t>Atypical heart rhythms (arrythmias, </a:t>
-            </a:r>
-            <a:r>
-              <a:rPr lang="en-US" dirty="0" err="1"/>
-              <a:t>tachy</a:t>
-            </a:r>
-            <a:r>
-              <a:rPr lang="en-US" dirty="0"/>
-              <a:t>/bradycardia, etc.)</a:t>
-            </a:r>
-          </a:p>
-          <a:p>
-            <a:r>
-              <a:rPr lang="en-US" dirty="0"/>
-              <a:t>Congenital defects</a:t>
-            </a:r>
-          </a:p>
-          <a:p>
-            <a:endParaRPr lang="en-US" dirty="0"/>
-          </a:p>
-          <a:p>
-            <a:r>
-              <a:rPr lang="en-US" b="1" u="sng" dirty="0"/>
-              <a:t>Cardiovascular Disease</a:t>
-            </a:r>
-          </a:p>
-          <a:p>
-            <a:r>
-              <a:rPr lang="en-US" dirty="0"/>
-              <a:t>Narrowed or blocked arteries</a:t>
-            </a:r>
-          </a:p>
-          <a:p>
-            <a:r>
-              <a:rPr lang="en-US" dirty="0"/>
-              <a:t>Atherosclerosis</a:t>
-            </a:r>
-          </a:p>
-          <a:p>
-            <a:r>
-              <a:rPr lang="en-US" dirty="0"/>
-              <a:t>Angina (chest pain)</a:t>
-            </a:r>
-          </a:p>
-          <a:p>
-            <a:r>
-              <a:rPr lang="en-US" dirty="0"/>
-              <a:t>Cardiac arrest or stroke</a:t>
-            </a:r>
-          </a:p>
-        </p:txBody>
-      </p:sp>
-    </p:spTree>
-    <p:extLst>
-      <p:ext uri="{BB962C8B-B14F-4D97-AF65-F5344CB8AC3E}">
-        <p14:creationId xmlns:p14="http://schemas.microsoft.com/office/powerpoint/2010/main" val="2521760115"/>
-      </p:ext>
-    </p:extLst>
-  </p:cSld>
-  <p:clrMapOvr>
-    <a:masterClrMapping/>
-  </p:clrMapOvr>
-</p:sld>
-</file>
-
-<file path=ppt/slides/slide3.xml><?xml version="1.0" encoding="utf-8"?>
-<p:sld xmlns:a="http://schemas.openxmlformats.org/drawingml/2006/main" xmlns:r="http://schemas.openxmlformats.org/officeDocument/2006/relationships" xmlns:p="http://schemas.openxmlformats.org/presentationml/2006/main">
-  <p:cSld>
-    <p:spTree>
-      <p:nvGrpSpPr>
-        <p:cNvPr id="1" name=""/>
-        <p:cNvGrpSpPr/>
-        <p:nvPr/>
-      </p:nvGrpSpPr>
-      <p:grpSpPr>
-        <a:xfrm>
-          <a:off x="0" y="0"/>
-          <a:ext cx="0" cy="0"/>
-          <a:chOff x="0" y="0"/>
-          <a:chExt cx="0" cy="0"/>
-        </a:xfrm>
-      </p:grpSpPr>
-      <p:pic>
-        <p:nvPicPr>
-          <p:cNvPr id="5" name="Picture 4" descr="A close up of a logo&#10;&#10;Description automatically generated">
-            <a:extLst>
-              <a:ext uri="{FF2B5EF4-FFF2-40B4-BE49-F238E27FC236}">
-                <a16:creationId xmlns:a16="http://schemas.microsoft.com/office/drawing/2014/main" id="{42550119-34DF-4326-BB3F-ABBF1A393A41}"/>
-              </a:ext>
-            </a:extLst>
-          </p:cNvPr>
-          <p:cNvPicPr>
-            <a:picLocks noChangeAspect="1"/>
-          </p:cNvPicPr>
-          <p:nvPr/>
-        </p:nvPicPr>
-        <p:blipFill>
-          <a:blip r:embed="rId2">
-            <a:extLst>
-              <a:ext uri="{28A0092B-C50C-407E-A947-70E740481C1C}">
-                <a14:useLocalDpi xmlns:a14="http://schemas.microsoft.com/office/drawing/2010/main" val="0"/>
-              </a:ext>
-            </a:extLst>
-          </a:blip>
-          <a:stretch>
-            <a:fillRect/>
-          </a:stretch>
-        </p:blipFill>
-        <p:spPr>
-          <a:xfrm>
-            <a:off x="2756294" y="601064"/>
-            <a:ext cx="5265578" cy="5265578"/>
-          </a:xfrm>
-          <a:prstGeom prst="rect">
-            <a:avLst/>
-          </a:prstGeom>
-        </p:spPr>
-      </p:pic>
-      <p:sp>
-        <p:nvSpPr>
-          <p:cNvPr id="6" name="TextBox 5">
-            <a:extLst>
-              <a:ext uri="{FF2B5EF4-FFF2-40B4-BE49-F238E27FC236}">
-                <a16:creationId xmlns:a16="http://schemas.microsoft.com/office/drawing/2014/main" id="{1A8A30C4-3A0A-41DE-BB90-484CA4102A9A}"/>
-              </a:ext>
-            </a:extLst>
-          </p:cNvPr>
-          <p:cNvSpPr txBox="1"/>
-          <p:nvPr/>
-        </p:nvSpPr>
-        <p:spPr>
-          <a:xfrm>
-            <a:off x="2698788" y="-119118"/>
-            <a:ext cx="6794424" cy="1015663"/>
-          </a:xfrm>
-          <a:prstGeom prst="rect">
-            <a:avLst/>
-          </a:prstGeom>
-          <a:noFill/>
-        </p:spPr>
-        <p:txBody>
-          <a:bodyPr wrap="none" rtlCol="0">
-            <a:spAutoFit/>
-          </a:bodyPr>
-          <a:lstStyle/>
-          <a:p>
-            <a:r>
-              <a:rPr lang="en-US" sz="6000" b="1" u="sng" dirty="0"/>
-              <a:t>Measured Attributes</a:t>
-            </a:r>
-          </a:p>
-        </p:txBody>
-      </p:sp>
-      <p:sp>
-        <p:nvSpPr>
-          <p:cNvPr id="7" name="TextBox 6">
-            <a:extLst>
-              <a:ext uri="{FF2B5EF4-FFF2-40B4-BE49-F238E27FC236}">
-                <a16:creationId xmlns:a16="http://schemas.microsoft.com/office/drawing/2014/main" id="{F62F0C6D-57D7-458C-9446-5C6FFE6327BB}"/>
-              </a:ext>
-            </a:extLst>
-          </p:cNvPr>
-          <p:cNvSpPr txBox="1"/>
-          <p:nvPr/>
-        </p:nvSpPr>
-        <p:spPr>
-          <a:xfrm>
-            <a:off x="1472188" y="1409612"/>
-            <a:ext cx="1465658" cy="1138773"/>
-          </a:xfrm>
-          <a:prstGeom prst="rect">
-            <a:avLst/>
-          </a:prstGeom>
-          <a:noFill/>
-        </p:spPr>
-        <p:txBody>
-          <a:bodyPr wrap="none" rtlCol="0">
-            <a:spAutoFit/>
-          </a:bodyPr>
-          <a:lstStyle/>
-          <a:p>
-            <a:r>
-              <a:rPr lang="en-US" sz="2800" b="1" u="sng" dirty="0"/>
-              <a:t>Features</a:t>
-            </a:r>
-          </a:p>
-          <a:p>
-            <a:pPr marL="457200" indent="-457200">
-              <a:buFont typeface="Arial" panose="020B0604020202020204" pitchFamily="34" charset="0"/>
-              <a:buChar char="•"/>
-            </a:pPr>
-            <a:r>
-              <a:rPr lang="en-US" sz="2000" dirty="0"/>
-              <a:t>Age</a:t>
-            </a:r>
-          </a:p>
-          <a:p>
-            <a:pPr marL="457200" indent="-457200">
-              <a:buFont typeface="Arial" panose="020B0604020202020204" pitchFamily="34" charset="0"/>
-              <a:buChar char="•"/>
-            </a:pPr>
-            <a:r>
-              <a:rPr lang="en-US" sz="2000" dirty="0"/>
-              <a:t>Sex</a:t>
-            </a:r>
-            <a:endParaRPr lang="en-US" sz="3200" dirty="0"/>
-          </a:p>
-        </p:txBody>
-      </p:sp>
-      <p:sp>
-        <p:nvSpPr>
-          <p:cNvPr id="8" name="TextBox 7">
-            <a:extLst>
-              <a:ext uri="{FF2B5EF4-FFF2-40B4-BE49-F238E27FC236}">
-                <a16:creationId xmlns:a16="http://schemas.microsoft.com/office/drawing/2014/main" id="{E1548E30-2BFE-4310-9E7B-D3C5A0F4EE94}"/>
-              </a:ext>
-            </a:extLst>
-          </p:cNvPr>
-          <p:cNvSpPr txBox="1"/>
-          <p:nvPr/>
-        </p:nvSpPr>
-        <p:spPr>
-          <a:xfrm>
-            <a:off x="137046" y="2763829"/>
-            <a:ext cx="3793403" cy="1446550"/>
-          </a:xfrm>
-          <a:prstGeom prst="rect">
-            <a:avLst/>
-          </a:prstGeom>
-          <a:noFill/>
-        </p:spPr>
-        <p:txBody>
-          <a:bodyPr wrap="square" rtlCol="0">
-            <a:spAutoFit/>
-          </a:bodyPr>
-          <a:lstStyle/>
-          <a:p>
-            <a:r>
-              <a:rPr lang="en-US" sz="2800" b="1" u="sng" dirty="0"/>
-              <a:t>Metabolic Parameters</a:t>
-            </a:r>
-          </a:p>
-          <a:p>
-            <a:pPr marL="457200" indent="-457200">
-              <a:buFont typeface="Arial" panose="020B0604020202020204" pitchFamily="34" charset="0"/>
-              <a:buChar char="•"/>
-            </a:pPr>
-            <a:r>
-              <a:rPr lang="en-US" sz="2000" dirty="0"/>
-              <a:t>Resting Blood Pressure</a:t>
-            </a:r>
-          </a:p>
-          <a:p>
-            <a:pPr marL="457200" indent="-457200">
-              <a:buFont typeface="Arial" panose="020B0604020202020204" pitchFamily="34" charset="0"/>
-              <a:buChar char="•"/>
-            </a:pPr>
-            <a:r>
-              <a:rPr lang="en-US" sz="2000" dirty="0"/>
-              <a:t>Fasting Blood Glucose</a:t>
-            </a:r>
-          </a:p>
-          <a:p>
-            <a:pPr marL="457200" indent="-457200">
-              <a:buFont typeface="Arial" panose="020B0604020202020204" pitchFamily="34" charset="0"/>
-              <a:buChar char="•"/>
-            </a:pPr>
-            <a:r>
-              <a:rPr lang="en-US" sz="2000" dirty="0"/>
-              <a:t>Serum Cholesterol</a:t>
-            </a:r>
-            <a:endParaRPr lang="en-US" sz="3200" dirty="0"/>
-          </a:p>
-        </p:txBody>
-      </p:sp>
-      <p:sp>
-        <p:nvSpPr>
-          <p:cNvPr id="9" name="TextBox 8">
-            <a:extLst>
-              <a:ext uri="{FF2B5EF4-FFF2-40B4-BE49-F238E27FC236}">
-                <a16:creationId xmlns:a16="http://schemas.microsoft.com/office/drawing/2014/main" id="{49678DA8-F499-49F5-AC9E-A03F158BF177}"/>
-              </a:ext>
-            </a:extLst>
-          </p:cNvPr>
-          <p:cNvSpPr txBox="1"/>
-          <p:nvPr/>
-        </p:nvSpPr>
-        <p:spPr>
-          <a:xfrm>
-            <a:off x="27157" y="4600419"/>
-            <a:ext cx="4988460" cy="1446550"/>
-          </a:xfrm>
-          <a:prstGeom prst="rect">
-            <a:avLst/>
-          </a:prstGeom>
-          <a:noFill/>
-        </p:spPr>
-        <p:txBody>
-          <a:bodyPr wrap="square" rtlCol="0">
-            <a:spAutoFit/>
-          </a:bodyPr>
-          <a:lstStyle/>
-          <a:p>
-            <a:r>
-              <a:rPr lang="en-US" sz="2800" b="1" u="sng" dirty="0"/>
-              <a:t>Cardiovascular Measurements</a:t>
-            </a:r>
-          </a:p>
-          <a:p>
-            <a:pPr marL="457200" indent="-457200">
-              <a:buFont typeface="Arial" panose="020B0604020202020204" pitchFamily="34" charset="0"/>
-              <a:buChar char="•"/>
-            </a:pPr>
-            <a:r>
-              <a:rPr lang="en-US" sz="2000" dirty="0"/>
-              <a:t>Resting Electrocardiographic Results</a:t>
-            </a:r>
-          </a:p>
-          <a:p>
-            <a:pPr marL="457200" indent="-457200">
-              <a:buFont typeface="Arial" panose="020B0604020202020204" pitchFamily="34" charset="0"/>
-              <a:buChar char="•"/>
-            </a:pPr>
-            <a:r>
-              <a:rPr lang="en-US" sz="2000" dirty="0"/>
-              <a:t>Maximum Heart Rate</a:t>
-            </a:r>
-          </a:p>
-          <a:p>
-            <a:pPr marL="457200" indent="-457200">
-              <a:buFont typeface="Arial" panose="020B0604020202020204" pitchFamily="34" charset="0"/>
-              <a:buChar char="•"/>
-            </a:pPr>
-            <a:r>
-              <a:rPr lang="en-US" sz="2000" dirty="0"/>
-              <a:t>Exercise Induced Angina </a:t>
-            </a:r>
-          </a:p>
-        </p:txBody>
-      </p:sp>
-      <p:sp>
-        <p:nvSpPr>
-          <p:cNvPr id="10" name="TextBox 9">
-            <a:extLst>
-              <a:ext uri="{FF2B5EF4-FFF2-40B4-BE49-F238E27FC236}">
-                <a16:creationId xmlns:a16="http://schemas.microsoft.com/office/drawing/2014/main" id="{1B0C6B25-38E7-4FAE-9C89-28379EFB64EA}"/>
-              </a:ext>
-            </a:extLst>
-          </p:cNvPr>
-          <p:cNvSpPr txBox="1"/>
-          <p:nvPr/>
-        </p:nvSpPr>
-        <p:spPr>
-          <a:xfrm>
-            <a:off x="6996828" y="1194169"/>
-            <a:ext cx="4988460" cy="1569660"/>
-          </a:xfrm>
-          <a:prstGeom prst="rect">
-            <a:avLst/>
-          </a:prstGeom>
-          <a:noFill/>
-        </p:spPr>
-        <p:txBody>
-          <a:bodyPr wrap="square" rtlCol="0">
-            <a:spAutoFit/>
-          </a:bodyPr>
-          <a:lstStyle/>
-          <a:p>
-            <a:r>
-              <a:rPr lang="en-US" sz="2800" b="1" u="sng" dirty="0"/>
-              <a:t>Stress Test Measurements (EKG)</a:t>
-            </a:r>
-          </a:p>
-          <a:p>
-            <a:pPr marL="457200" indent="-457200">
-              <a:buFont typeface="Arial" panose="020B0604020202020204" pitchFamily="34" charset="0"/>
-              <a:buChar char="•"/>
-            </a:pPr>
-            <a:r>
-              <a:rPr lang="en-US" sz="2000" dirty="0"/>
-              <a:t>Depression</a:t>
-            </a:r>
-          </a:p>
-          <a:p>
-            <a:pPr marL="457200" indent="-457200">
-              <a:buFont typeface="Arial" panose="020B0604020202020204" pitchFamily="34" charset="0"/>
-              <a:buChar char="•"/>
-            </a:pPr>
-            <a:r>
-              <a:rPr lang="en-US" sz="2000" dirty="0"/>
-              <a:t>Slope at Peak Exercise</a:t>
-            </a:r>
-          </a:p>
-          <a:p>
-            <a:endParaRPr lang="en-US" sz="2800" b="1" u="sng" dirty="0"/>
-          </a:p>
-        </p:txBody>
-      </p:sp>
-      <p:sp>
-        <p:nvSpPr>
-          <p:cNvPr id="11" name="TextBox 10">
-            <a:extLst>
-              <a:ext uri="{FF2B5EF4-FFF2-40B4-BE49-F238E27FC236}">
-                <a16:creationId xmlns:a16="http://schemas.microsoft.com/office/drawing/2014/main" id="{15DF7BAD-0F13-4245-8137-A8A421B2244D}"/>
-              </a:ext>
-            </a:extLst>
-          </p:cNvPr>
-          <p:cNvSpPr txBox="1"/>
-          <p:nvPr/>
-        </p:nvSpPr>
-        <p:spPr>
-          <a:xfrm>
-            <a:off x="7682133" y="2821081"/>
-            <a:ext cx="4048408" cy="1569660"/>
-          </a:xfrm>
-          <a:prstGeom prst="rect">
-            <a:avLst/>
-          </a:prstGeom>
-          <a:noFill/>
-        </p:spPr>
-        <p:txBody>
-          <a:bodyPr wrap="square" rtlCol="0">
-            <a:spAutoFit/>
-          </a:bodyPr>
-          <a:lstStyle/>
-          <a:p>
-            <a:r>
-              <a:rPr lang="en-US" sz="2800" b="1" u="sng" dirty="0"/>
-              <a:t>Imaging</a:t>
-            </a:r>
-          </a:p>
-          <a:p>
-            <a:pPr marL="457200" indent="-457200">
-              <a:buFont typeface="Arial" panose="020B0604020202020204" pitchFamily="34" charset="0"/>
-              <a:buChar char="•"/>
-            </a:pPr>
-            <a:r>
-              <a:rPr lang="en-US" sz="2000" dirty="0" err="1"/>
-              <a:t>Thalium</a:t>
-            </a:r>
-            <a:r>
-              <a:rPr lang="en-US" sz="2000" dirty="0"/>
-              <a:t> Stress Test</a:t>
-            </a:r>
-          </a:p>
-          <a:p>
-            <a:pPr marL="457200" indent="-457200">
-              <a:buFont typeface="Arial" panose="020B0604020202020204" pitchFamily="34" charset="0"/>
-              <a:buChar char="•"/>
-            </a:pPr>
-            <a:r>
-              <a:rPr lang="en-US" sz="2000" dirty="0"/>
-              <a:t>Vessels Colored by Fluoroscopy</a:t>
-            </a:r>
-          </a:p>
-          <a:p>
-            <a:endParaRPr lang="en-US" sz="2800" b="1" u="sng" dirty="0"/>
-          </a:p>
-        </p:txBody>
-      </p:sp>
-      <p:sp>
-        <p:nvSpPr>
-          <p:cNvPr id="12" name="TextBox 11">
-            <a:extLst>
-              <a:ext uri="{FF2B5EF4-FFF2-40B4-BE49-F238E27FC236}">
-                <a16:creationId xmlns:a16="http://schemas.microsoft.com/office/drawing/2014/main" id="{CBCAA4D5-D0A8-45E9-AA7E-1D467093F832}"/>
-              </a:ext>
-            </a:extLst>
-          </p:cNvPr>
-          <p:cNvSpPr txBox="1"/>
-          <p:nvPr/>
-        </p:nvSpPr>
-        <p:spPr>
-          <a:xfrm>
-            <a:off x="7466854" y="4629045"/>
-            <a:ext cx="4048408" cy="523220"/>
-          </a:xfrm>
-          <a:prstGeom prst="rect">
-            <a:avLst/>
-          </a:prstGeom>
-          <a:noFill/>
-        </p:spPr>
-        <p:txBody>
-          <a:bodyPr wrap="square" rtlCol="0">
-            <a:spAutoFit/>
-          </a:bodyPr>
-          <a:lstStyle/>
-          <a:p>
-            <a:r>
-              <a:rPr lang="en-US" sz="2800" b="1" u="sng" dirty="0"/>
-              <a:t>Diagnosis by Angiogram</a:t>
-            </a:r>
-          </a:p>
-        </p:txBody>
-      </p:sp>
-    </p:spTree>
-    <p:extLst>
-      <p:ext uri="{BB962C8B-B14F-4D97-AF65-F5344CB8AC3E}">
-        <p14:creationId xmlns:p14="http://schemas.microsoft.com/office/powerpoint/2010/main" val="4153056485"/>
-      </p:ext>
-    </p:extLst>
-  </p:cSld>
-  <p:clrMapOvr>
-    <a:masterClrMapping/>
-  </p:clrMapOvr>
-</p:sld>
-</file>
-
-<file path=ppt/slides/slide4.xml><?xml version="1.0" encoding="utf-8"?>
-<p:sld xmlns:a="http://schemas.openxmlformats.org/drawingml/2006/main" xmlns:r="http://schemas.openxmlformats.org/officeDocument/2006/relationships" xmlns:p="http://schemas.openxmlformats.org/presentationml/2006/main">
-  <p:cSld>
-    <p:bg>
-      <p:bgPr>
-        <a:solidFill>
-          <a:schemeClr val="bg1"/>
-        </a:solidFill>
-        <a:effectLst/>
-      </p:bgPr>
-    </p:bg>
-    <p:spTree>
-      <p:nvGrpSpPr>
-        <p:cNvPr id="1" name=""/>
-        <p:cNvGrpSpPr/>
-        <p:nvPr/>
-      </p:nvGrpSpPr>
-      <p:grpSpPr>
-        <a:xfrm>
-          <a:off x="0" y="0"/>
-          <a:ext cx="0" cy="0"/>
-          <a:chOff x="0" y="0"/>
-          <a:chExt cx="0" cy="0"/>
-        </a:xfrm>
-      </p:grpSpPr>
-      <p:sp>
-        <p:nvSpPr>
-          <p:cNvPr id="25" name="Rectangle 24">
-            <a:extLst>
-              <a:ext uri="{FF2B5EF4-FFF2-40B4-BE49-F238E27FC236}">
-                <a16:creationId xmlns:a16="http://schemas.microsoft.com/office/drawing/2014/main" id="{AB45A142-4255-493C-8284-5D566C121B10}"/>
-              </a:ext>
-              <a:ext uri="{C183D7F6-B498-43B3-948B-1728B52AA6E4}">
-                <adec:decorative xmlns:adec="http://schemas.microsoft.com/office/drawing/2017/decorative" val="1"/>
-              </a:ext>
-            </a:extLst>
-          </p:cNvPr>
-          <p:cNvSpPr>
-            <a:spLocks noGrp="1" noRot="1" noChangeAspect="1" noMove="1" noResize="1" noEditPoints="1" noAdjustHandles="1" noChangeArrowheads="1" noChangeShapeType="1" noTextEdit="1"/>
-          </p:cNvSpPr>
-          <p:nvPr>
-            <p:extLst>
-              <p:ext uri="{386F3935-93C4-4BCD-93E2-E3B085C9AB24}">
-                <p16:designElem xmlns:p16="http://schemas.microsoft.com/office/powerpoint/2015/main" val="1"/>
-              </p:ext>
-            </p:extLst>
-          </p:nvPr>
-        </p:nvSpPr>
-        <p:spPr bwMode="ltGray">
-          <a:xfrm>
-            <a:off x="336884" y="321177"/>
-            <a:ext cx="4332307" cy="6179552"/>
-          </a:xfrm>
-          <a:prstGeom prst="rect">
-            <a:avLst/>
-          </a:prstGeom>
-          <a:solidFill>
-            <a:srgbClr val="404040">
-              <a:alpha val="89804"/>
-            </a:srgbClr>
-          </a:solidFill>
-          <a:ln w="127000" cap="sq" cmpd="thinThick">
-            <a:solidFill>
-              <a:srgbClr val="595959">
-                <a:alpha val="80000"/>
-              </a:srgbClr>
-            </a:solidFill>
-          </a:ln>
-        </p:spPr>
-        <p:style>
-          <a:lnRef idx="2">
-            <a:schemeClr val="accent1">
-              <a:shade val="50000"/>
-            </a:schemeClr>
-          </a:lnRef>
-          <a:fillRef idx="1">
-            <a:schemeClr val="accent1"/>
-          </a:fillRef>
-          <a:effectRef idx="0">
-            <a:schemeClr val="accent1"/>
-          </a:effectRef>
-          <a:fontRef idx="minor">
-            <a:schemeClr val="lt1"/>
-          </a:fontRef>
-        </p:style>
-        <p:txBody>
-          <a:bodyPr rtlCol="0" anchor="ctr"/>
-          <a:lstStyle/>
-          <a:p>
-            <a:pPr algn="ctr"/>
-            <a:endParaRPr lang="en-US"/>
-          </a:p>
-        </p:txBody>
-      </p:sp>
-      <p:sp>
-        <p:nvSpPr>
-          <p:cNvPr id="2" name="Title 1">
-            <a:extLst>
-              <a:ext uri="{FF2B5EF4-FFF2-40B4-BE49-F238E27FC236}">
-                <a16:creationId xmlns:a16="http://schemas.microsoft.com/office/drawing/2014/main" id="{6C45BE45-8E9F-491A-8693-357AAC08CFE9}"/>
-              </a:ext>
-            </a:extLst>
-          </p:cNvPr>
-          <p:cNvSpPr>
-            <a:spLocks noGrp="1"/>
-          </p:cNvSpPr>
-          <p:nvPr>
-            <p:ph type="title"/>
-          </p:nvPr>
-        </p:nvSpPr>
-        <p:spPr>
-          <a:xfrm>
-            <a:off x="674237" y="914400"/>
-            <a:ext cx="3657600" cy="2887579"/>
-          </a:xfrm>
-        </p:spPr>
-        <p:txBody>
-          <a:bodyPr vert="horz" lIns="91440" tIns="45720" rIns="91440" bIns="45720" rtlCol="0" anchor="b">
-            <a:normAutofit/>
-          </a:bodyPr>
-          <a:lstStyle/>
-          <a:p>
-            <a:pPr algn="ctr"/>
-            <a:r>
-              <a:rPr lang="en-US" sz="4800" kern="1200" dirty="0">
-                <a:solidFill>
-                  <a:srgbClr val="FFFFFF"/>
-                </a:solidFill>
-                <a:latin typeface="+mj-lt"/>
-                <a:ea typeface="+mj-ea"/>
-                <a:cs typeface="+mj-cs"/>
-              </a:rPr>
-              <a:t>Best Features for Prediction</a:t>
-            </a:r>
-          </a:p>
-        </p:txBody>
-      </p:sp>
-      <p:cxnSp>
-        <p:nvCxnSpPr>
-          <p:cNvPr id="27" name="Straight Connector 26">
-            <a:extLst>
-              <a:ext uri="{FF2B5EF4-FFF2-40B4-BE49-F238E27FC236}">
-                <a16:creationId xmlns:a16="http://schemas.microsoft.com/office/drawing/2014/main" id="{38FB9660-F42F-4313-BBC4-47C007FE484C}"/>
-              </a:ext>
-              <a:ext uri="{C183D7F6-B498-43B3-948B-1728B52AA6E4}">
-                <adec:decorative xmlns:adec="http://schemas.microsoft.com/office/drawing/2017/decorative" val="1"/>
-              </a:ext>
-            </a:extLst>
-          </p:cNvPr>
-          <p:cNvCxnSpPr>
-            <a:cxnSpLocks noGrp="1" noRot="1" noChangeAspect="1" noMove="1" noResize="1" noEditPoints="1" noAdjustHandles="1" noChangeArrowheads="1" noChangeShapeType="1"/>
-          </p:cNvCxnSpPr>
-          <p:nvPr>
-            <p:extLst>
-              <p:ext uri="{386F3935-93C4-4BCD-93E2-E3B085C9AB24}">
-                <p16:designElem xmlns:p16="http://schemas.microsoft.com/office/powerpoint/2015/main" val="1"/>
-              </p:ext>
-            </p:extLst>
-          </p:nvPr>
-        </p:nvCxnSpPr>
-        <p:spPr>
-          <a:xfrm>
-            <a:off x="1191126" y="3910267"/>
-            <a:ext cx="2586790" cy="0"/>
-          </a:xfrm>
-          <a:prstGeom prst="line">
-            <a:avLst/>
-          </a:prstGeom>
-          <a:ln w="22225">
-            <a:solidFill>
-              <a:srgbClr val="D9D9D9"/>
-            </a:solidFill>
-          </a:ln>
-        </p:spPr>
-        <p:style>
-          <a:lnRef idx="1">
-            <a:schemeClr val="accent1"/>
-          </a:lnRef>
-          <a:fillRef idx="0">
-            <a:schemeClr val="accent1"/>
-          </a:fillRef>
-          <a:effectRef idx="0">
-            <a:schemeClr val="accent1"/>
-          </a:effectRef>
-          <a:fontRef idx="minor">
-            <a:schemeClr val="tx1"/>
-          </a:fontRef>
-        </p:style>
-      </p:cxnSp>
-      <p:pic>
-        <p:nvPicPr>
-          <p:cNvPr id="7" name="Picture 6" descr="A screenshot of a cell phone&#10;&#10;Description automatically generated">
-            <a:extLst>
-              <a:ext uri="{FF2B5EF4-FFF2-40B4-BE49-F238E27FC236}">
-                <a16:creationId xmlns:a16="http://schemas.microsoft.com/office/drawing/2014/main" id="{199F5844-FFEE-4900-B205-26B6622A5AA5}"/>
-              </a:ext>
-            </a:extLst>
-          </p:cNvPr>
-          <p:cNvPicPr>
-            <a:picLocks noChangeAspect="1"/>
-          </p:cNvPicPr>
-          <p:nvPr/>
-        </p:nvPicPr>
-        <p:blipFill>
-          <a:blip r:embed="rId2">
-            <a:extLst>
-              <a:ext uri="{28A0092B-C50C-407E-A947-70E740481C1C}">
-                <a14:useLocalDpi xmlns:a14="http://schemas.microsoft.com/office/drawing/2010/main" val="0"/>
-              </a:ext>
-            </a:extLst>
-          </a:blip>
-          <a:stretch>
-            <a:fillRect/>
-          </a:stretch>
-        </p:blipFill>
-        <p:spPr>
-          <a:xfrm>
-            <a:off x="5490196" y="492573"/>
-            <a:ext cx="5880796" cy="5880796"/>
-          </a:xfrm>
-          <a:prstGeom prst="rect">
-            <a:avLst/>
-          </a:prstGeom>
-        </p:spPr>
-      </p:pic>
-    </p:spTree>
-    <p:extLst>
-      <p:ext uri="{BB962C8B-B14F-4D97-AF65-F5344CB8AC3E}">
-        <p14:creationId xmlns:p14="http://schemas.microsoft.com/office/powerpoint/2010/main" val="2905534078"/>
-      </p:ext>
-    </p:extLst>
-  </p:cSld>
-  <p:clrMapOvr>
-    <a:masterClrMapping/>
-  </p:clrMapOvr>
-</p:sld>
-</file>
-
-<file path=ppt/slides/slide5.xml><?xml version="1.0" encoding="utf-8"?>
-<p:sld xmlns:a="http://schemas.openxmlformats.org/drawingml/2006/main" xmlns:r="http://schemas.openxmlformats.org/officeDocument/2006/relationships" xmlns:p="http://schemas.openxmlformats.org/presentationml/2006/main">
-  <p:cSld>
-    <p:bg>
-      <p:bgPr>
-        <a:solidFill>
-          <a:schemeClr val="bg1"/>
-        </a:solidFill>
-        <a:effectLst/>
-      </p:bgPr>
-    </p:bg>
-    <p:spTree>
-      <p:nvGrpSpPr>
-        <p:cNvPr id="1" name=""/>
-        <p:cNvGrpSpPr/>
-        <p:nvPr/>
-      </p:nvGrpSpPr>
-      <p:grpSpPr>
-        <a:xfrm>
-          <a:off x="0" y="0"/>
-          <a:ext cx="0" cy="0"/>
-          <a:chOff x="0" y="0"/>
-          <a:chExt cx="0" cy="0"/>
-        </a:xfrm>
-      </p:grpSpPr>
-      <p:sp>
-        <p:nvSpPr>
-          <p:cNvPr id="11" name="Rectangle 10">
-            <a:extLst>
-              <a:ext uri="{FF2B5EF4-FFF2-40B4-BE49-F238E27FC236}">
-                <a16:creationId xmlns:a16="http://schemas.microsoft.com/office/drawing/2014/main" id="{AB45A142-4255-493C-8284-5D566C121B10}"/>
-              </a:ext>
-              <a:ext uri="{C183D7F6-B498-43B3-948B-1728B52AA6E4}">
-                <adec:decorative xmlns:adec="http://schemas.microsoft.com/office/drawing/2017/decorative" val="1"/>
-              </a:ext>
-            </a:extLst>
-          </p:cNvPr>
-          <p:cNvSpPr>
-            <a:spLocks noGrp="1" noRot="1" noChangeAspect="1" noMove="1" noResize="1" noEditPoints="1" noAdjustHandles="1" noChangeArrowheads="1" noChangeShapeType="1" noTextEdit="1"/>
-          </p:cNvSpPr>
-          <p:nvPr>
-            <p:extLst>
-              <p:ext uri="{386F3935-93C4-4BCD-93E2-E3B085C9AB24}">
-                <p16:designElem xmlns:p16="http://schemas.microsoft.com/office/powerpoint/2015/main" val="1"/>
-              </p:ext>
-            </p:extLst>
-          </p:nvPr>
-        </p:nvSpPr>
-        <p:spPr bwMode="ltGray">
-          <a:xfrm>
-            <a:off x="336884" y="321177"/>
-            <a:ext cx="4332307" cy="6179552"/>
-          </a:xfrm>
-          <a:prstGeom prst="rect">
-            <a:avLst/>
-          </a:prstGeom>
-          <a:solidFill>
-            <a:srgbClr val="404040">
-              <a:alpha val="89804"/>
-            </a:srgbClr>
-          </a:solidFill>
-          <a:ln w="127000" cap="sq" cmpd="thinThick">
-            <a:solidFill>
-              <a:srgbClr val="595959">
-                <a:alpha val="80000"/>
-              </a:srgbClr>
-            </a:solidFill>
-          </a:ln>
-        </p:spPr>
-        <p:style>
-          <a:lnRef idx="2">
-            <a:schemeClr val="accent1">
-              <a:shade val="50000"/>
-            </a:schemeClr>
-          </a:lnRef>
-          <a:fillRef idx="1">
-            <a:schemeClr val="accent1"/>
-          </a:fillRef>
-          <a:effectRef idx="0">
-            <a:schemeClr val="accent1"/>
-          </a:effectRef>
-          <a:fontRef idx="minor">
-            <a:schemeClr val="lt1"/>
-          </a:fontRef>
-        </p:style>
-        <p:txBody>
-          <a:bodyPr rtlCol="0" anchor="ctr"/>
-          <a:lstStyle/>
-          <a:p>
-            <a:pPr algn="ctr"/>
-            <a:endParaRPr lang="en-US"/>
-          </a:p>
-        </p:txBody>
-      </p:sp>
-      <p:sp>
-        <p:nvSpPr>
-          <p:cNvPr id="2" name="Title 1">
-            <a:extLst>
-              <a:ext uri="{FF2B5EF4-FFF2-40B4-BE49-F238E27FC236}">
-                <a16:creationId xmlns:a16="http://schemas.microsoft.com/office/drawing/2014/main" id="{6C45BE45-8E9F-491A-8693-357AAC08CFE9}"/>
-              </a:ext>
-            </a:extLst>
-          </p:cNvPr>
-          <p:cNvSpPr>
-            <a:spLocks noGrp="1"/>
-          </p:cNvSpPr>
-          <p:nvPr>
-            <p:ph type="title"/>
-          </p:nvPr>
-        </p:nvSpPr>
-        <p:spPr>
-          <a:xfrm>
-            <a:off x="674237" y="914400"/>
-            <a:ext cx="3657600" cy="2887579"/>
-          </a:xfrm>
-        </p:spPr>
-        <p:txBody>
-          <a:bodyPr vert="horz" lIns="91440" tIns="45720" rIns="91440" bIns="45720" rtlCol="0" anchor="b">
-            <a:normAutofit/>
-          </a:bodyPr>
-          <a:lstStyle/>
-          <a:p>
-            <a:pPr algn="ctr"/>
-            <a:r>
-              <a:rPr lang="en-US" sz="4800" kern="1200" dirty="0">
-                <a:solidFill>
-                  <a:srgbClr val="FFFFFF"/>
-                </a:solidFill>
-                <a:latin typeface="+mj-lt"/>
-                <a:ea typeface="+mj-ea"/>
-                <a:cs typeface="+mj-cs"/>
-              </a:rPr>
-              <a:t>Best Features for Prediction</a:t>
-            </a:r>
-          </a:p>
-        </p:txBody>
-      </p:sp>
-      <p:cxnSp>
-        <p:nvCxnSpPr>
-          <p:cNvPr id="13" name="Straight Connector 12">
-            <a:extLst>
-              <a:ext uri="{FF2B5EF4-FFF2-40B4-BE49-F238E27FC236}">
-                <a16:creationId xmlns:a16="http://schemas.microsoft.com/office/drawing/2014/main" id="{38FB9660-F42F-4313-BBC4-47C007FE484C}"/>
-              </a:ext>
-              <a:ext uri="{C183D7F6-B498-43B3-948B-1728B52AA6E4}">
-                <adec:decorative xmlns:adec="http://schemas.microsoft.com/office/drawing/2017/decorative" val="1"/>
-              </a:ext>
-            </a:extLst>
-          </p:cNvPr>
-          <p:cNvCxnSpPr>
-            <a:cxnSpLocks noGrp="1" noRot="1" noChangeAspect="1" noMove="1" noResize="1" noEditPoints="1" noAdjustHandles="1" noChangeArrowheads="1" noChangeShapeType="1"/>
-          </p:cNvCxnSpPr>
-          <p:nvPr>
-            <p:extLst>
-              <p:ext uri="{386F3935-93C4-4BCD-93E2-E3B085C9AB24}">
-                <p16:designElem xmlns:p16="http://schemas.microsoft.com/office/powerpoint/2015/main" val="1"/>
-              </p:ext>
-            </p:extLst>
-          </p:nvPr>
-        </p:nvCxnSpPr>
-        <p:spPr>
-          <a:xfrm>
-            <a:off x="1191126" y="3910267"/>
-            <a:ext cx="2586790" cy="0"/>
-          </a:xfrm>
-          <a:prstGeom prst="line">
-            <a:avLst/>
-          </a:prstGeom>
-          <a:ln w="22225">
-            <a:solidFill>
-              <a:srgbClr val="D9D9D9"/>
-            </a:solidFill>
-          </a:ln>
-        </p:spPr>
-        <p:style>
-          <a:lnRef idx="1">
-            <a:schemeClr val="accent1"/>
-          </a:lnRef>
-          <a:fillRef idx="0">
-            <a:schemeClr val="accent1"/>
-          </a:fillRef>
-          <a:effectRef idx="0">
-            <a:schemeClr val="accent1"/>
-          </a:effectRef>
-          <a:fontRef idx="minor">
-            <a:schemeClr val="tx1"/>
-          </a:fontRef>
-        </p:style>
-      </p:cxnSp>
-      <p:pic>
-        <p:nvPicPr>
-          <p:cNvPr id="6" name="Picture 5" descr="A screenshot of a cell phone&#10;&#10;Description automatically generated">
-            <a:extLst>
-              <a:ext uri="{FF2B5EF4-FFF2-40B4-BE49-F238E27FC236}">
-                <a16:creationId xmlns:a16="http://schemas.microsoft.com/office/drawing/2014/main" id="{7E35D7DE-F745-48C5-AB12-76EB15302A63}"/>
-              </a:ext>
-            </a:extLst>
-          </p:cNvPr>
-          <p:cNvPicPr>
-            <a:picLocks noChangeAspect="1"/>
-          </p:cNvPicPr>
-          <p:nvPr/>
-        </p:nvPicPr>
-        <p:blipFill>
-          <a:blip r:embed="rId2">
-            <a:extLst>
-              <a:ext uri="{28A0092B-C50C-407E-A947-70E740481C1C}">
-                <a14:useLocalDpi xmlns:a14="http://schemas.microsoft.com/office/drawing/2010/main" val="0"/>
-              </a:ext>
-            </a:extLst>
-          </a:blip>
-          <a:stretch>
-            <a:fillRect/>
-          </a:stretch>
-        </p:blipFill>
-        <p:spPr>
-          <a:xfrm>
-            <a:off x="5490196" y="492573"/>
-            <a:ext cx="5880796" cy="5880796"/>
-          </a:xfrm>
-          <a:prstGeom prst="rect">
-            <a:avLst/>
-          </a:prstGeom>
-        </p:spPr>
-      </p:pic>
-    </p:spTree>
-    <p:extLst>
-      <p:ext uri="{BB962C8B-B14F-4D97-AF65-F5344CB8AC3E}">
-        <p14:creationId xmlns:p14="http://schemas.microsoft.com/office/powerpoint/2010/main" val="942840649"/>
-      </p:ext>
-    </p:extLst>
-  </p:cSld>
-  <p:clrMapOvr>
-    <a:masterClrMapping/>
-  </p:clrMapOvr>
-</p:sld>
-</file>
-
-<file path=ppt/slides/slide6.xml><?xml version="1.0" encoding="utf-8"?>
-<p:sld xmlns:a="http://schemas.openxmlformats.org/drawingml/2006/main" xmlns:r="http://schemas.openxmlformats.org/officeDocument/2006/relationships" xmlns:p="http://schemas.openxmlformats.org/presentationml/2006/main">
-  <p:cSld>
-    <p:bg>
-      <p:bgPr>
-        <a:solidFill>
-          <a:schemeClr val="bg1"/>
-        </a:solidFill>
-        <a:effectLst/>
-      </p:bgPr>
-    </p:bg>
-    <p:spTree>
-      <p:nvGrpSpPr>
-        <p:cNvPr id="1" name=""/>
-        <p:cNvGrpSpPr/>
-        <p:nvPr/>
-      </p:nvGrpSpPr>
-      <p:grpSpPr>
-        <a:xfrm>
-          <a:off x="0" y="0"/>
-          <a:ext cx="0" cy="0"/>
-          <a:chOff x="0" y="0"/>
-          <a:chExt cx="0" cy="0"/>
-        </a:xfrm>
-      </p:grpSpPr>
-      <p:sp>
-        <p:nvSpPr>
-          <p:cNvPr id="11" name="Rectangle 10">
-            <a:extLst>
-              <a:ext uri="{FF2B5EF4-FFF2-40B4-BE49-F238E27FC236}">
-                <a16:creationId xmlns:a16="http://schemas.microsoft.com/office/drawing/2014/main" id="{AB45A142-4255-493C-8284-5D566C121B10}"/>
-              </a:ext>
-              <a:ext uri="{C183D7F6-B498-43B3-948B-1728B52AA6E4}">
-                <adec:decorative xmlns:adec="http://schemas.microsoft.com/office/drawing/2017/decorative" val="1"/>
-              </a:ext>
-            </a:extLst>
-          </p:cNvPr>
-          <p:cNvSpPr>
-            <a:spLocks noGrp="1" noRot="1" noChangeAspect="1" noMove="1" noResize="1" noEditPoints="1" noAdjustHandles="1" noChangeArrowheads="1" noChangeShapeType="1" noTextEdit="1"/>
-          </p:cNvSpPr>
-          <p:nvPr>
-            <p:extLst>
-              <p:ext uri="{386F3935-93C4-4BCD-93E2-E3B085C9AB24}">
-                <p16:designElem xmlns:p16="http://schemas.microsoft.com/office/powerpoint/2015/main" val="1"/>
-              </p:ext>
-            </p:extLst>
-          </p:nvPr>
-        </p:nvSpPr>
-        <p:spPr bwMode="ltGray">
-          <a:xfrm>
-            <a:off x="336884" y="321177"/>
-            <a:ext cx="4332307" cy="6179552"/>
-          </a:xfrm>
-          <a:prstGeom prst="rect">
-            <a:avLst/>
-          </a:prstGeom>
-          <a:solidFill>
-            <a:srgbClr val="404040">
-              <a:alpha val="89804"/>
-            </a:srgbClr>
-          </a:solidFill>
-          <a:ln w="127000" cap="sq" cmpd="thinThick">
-            <a:solidFill>
-              <a:srgbClr val="595959">
-                <a:alpha val="80000"/>
-              </a:srgbClr>
-            </a:solidFill>
-          </a:ln>
-        </p:spPr>
-        <p:style>
-          <a:lnRef idx="2">
-            <a:schemeClr val="accent1">
-              <a:shade val="50000"/>
-            </a:schemeClr>
-          </a:lnRef>
-          <a:fillRef idx="1">
-            <a:schemeClr val="accent1"/>
-          </a:fillRef>
-          <a:effectRef idx="0">
-            <a:schemeClr val="accent1"/>
-          </a:effectRef>
-          <a:fontRef idx="minor">
-            <a:schemeClr val="lt1"/>
-          </a:fontRef>
-        </p:style>
-        <p:txBody>
-          <a:bodyPr rtlCol="0" anchor="ctr"/>
-          <a:lstStyle/>
-          <a:p>
-            <a:pPr algn="ctr"/>
-            <a:endParaRPr lang="en-US"/>
-          </a:p>
-        </p:txBody>
-      </p:sp>
-      <p:sp>
-        <p:nvSpPr>
-          <p:cNvPr id="2" name="Title 1">
-            <a:extLst>
-              <a:ext uri="{FF2B5EF4-FFF2-40B4-BE49-F238E27FC236}">
-                <a16:creationId xmlns:a16="http://schemas.microsoft.com/office/drawing/2014/main" id="{6C45BE45-8E9F-491A-8693-357AAC08CFE9}"/>
-              </a:ext>
-            </a:extLst>
-          </p:cNvPr>
-          <p:cNvSpPr>
-            <a:spLocks noGrp="1"/>
-          </p:cNvSpPr>
-          <p:nvPr>
-            <p:ph type="title"/>
-          </p:nvPr>
-        </p:nvSpPr>
-        <p:spPr>
-          <a:xfrm>
-            <a:off x="674237" y="914400"/>
-            <a:ext cx="3657600" cy="2887579"/>
-          </a:xfrm>
-        </p:spPr>
-        <p:txBody>
-          <a:bodyPr vert="horz" lIns="91440" tIns="45720" rIns="91440" bIns="45720" rtlCol="0" anchor="b">
-            <a:normAutofit/>
-          </a:bodyPr>
-          <a:lstStyle/>
-          <a:p>
-            <a:pPr algn="ctr"/>
-            <a:r>
-              <a:rPr lang="en-US" sz="4800" kern="1200" dirty="0">
-                <a:solidFill>
-                  <a:srgbClr val="FFFFFF"/>
-                </a:solidFill>
-                <a:latin typeface="+mj-lt"/>
-                <a:ea typeface="+mj-ea"/>
-                <a:cs typeface="+mj-cs"/>
-              </a:rPr>
-              <a:t>Best Features for Prediction</a:t>
-            </a:r>
-          </a:p>
-        </p:txBody>
-      </p:sp>
-      <p:cxnSp>
-        <p:nvCxnSpPr>
-          <p:cNvPr id="13" name="Straight Connector 12">
-            <a:extLst>
-              <a:ext uri="{FF2B5EF4-FFF2-40B4-BE49-F238E27FC236}">
-                <a16:creationId xmlns:a16="http://schemas.microsoft.com/office/drawing/2014/main" id="{38FB9660-F42F-4313-BBC4-47C007FE484C}"/>
-              </a:ext>
-              <a:ext uri="{C183D7F6-B498-43B3-948B-1728B52AA6E4}">
-                <adec:decorative xmlns:adec="http://schemas.microsoft.com/office/drawing/2017/decorative" val="1"/>
-              </a:ext>
-            </a:extLst>
-          </p:cNvPr>
-          <p:cNvCxnSpPr>
-            <a:cxnSpLocks noGrp="1" noRot="1" noChangeAspect="1" noMove="1" noResize="1" noEditPoints="1" noAdjustHandles="1" noChangeArrowheads="1" noChangeShapeType="1"/>
-          </p:cNvCxnSpPr>
-          <p:nvPr>
-            <p:extLst>
-              <p:ext uri="{386F3935-93C4-4BCD-93E2-E3B085C9AB24}">
-                <p16:designElem xmlns:p16="http://schemas.microsoft.com/office/powerpoint/2015/main" val="1"/>
-              </p:ext>
-            </p:extLst>
-          </p:nvPr>
-        </p:nvCxnSpPr>
-        <p:spPr>
-          <a:xfrm>
-            <a:off x="1191126" y="3910267"/>
-            <a:ext cx="2586790" cy="0"/>
-          </a:xfrm>
-          <a:prstGeom prst="line">
-            <a:avLst/>
-          </a:prstGeom>
-          <a:ln w="22225">
-            <a:solidFill>
-              <a:srgbClr val="D9D9D9"/>
-            </a:solidFill>
-          </a:ln>
-        </p:spPr>
-        <p:style>
-          <a:lnRef idx="1">
-            <a:schemeClr val="accent1"/>
-          </a:lnRef>
-          <a:fillRef idx="0">
-            <a:schemeClr val="accent1"/>
-          </a:fillRef>
-          <a:effectRef idx="0">
-            <a:schemeClr val="accent1"/>
-          </a:effectRef>
-          <a:fontRef idx="minor">
-            <a:schemeClr val="tx1"/>
-          </a:fontRef>
-        </p:style>
-      </p:cxnSp>
-      <p:pic>
-        <p:nvPicPr>
-          <p:cNvPr id="6" name="Picture 5">
-            <a:extLst>
-              <a:ext uri="{FF2B5EF4-FFF2-40B4-BE49-F238E27FC236}">
-                <a16:creationId xmlns:a16="http://schemas.microsoft.com/office/drawing/2014/main" id="{7E35D7DE-F745-48C5-AB12-76EB15302A63}"/>
-              </a:ext>
-            </a:extLst>
-          </p:cNvPr>
-          <p:cNvPicPr>
-            <a:picLocks noChangeAspect="1"/>
-          </p:cNvPicPr>
-          <p:nvPr/>
-        </p:nvPicPr>
-        <p:blipFill>
-          <a:blip r:embed="rId2">
-            <a:extLst>
-              <a:ext uri="{28A0092B-C50C-407E-A947-70E740481C1C}">
-                <a14:useLocalDpi xmlns:a14="http://schemas.microsoft.com/office/drawing/2010/main" val="0"/>
-              </a:ext>
-            </a:extLst>
-          </a:blip>
-          <a:srcRect/>
-          <a:stretch/>
-        </p:blipFill>
-        <p:spPr>
-          <a:xfrm>
-            <a:off x="5006544" y="699796"/>
-            <a:ext cx="6932367" cy="5458407"/>
-          </a:xfrm>
-          <a:prstGeom prst="rect">
-            <a:avLst/>
-          </a:prstGeom>
-        </p:spPr>
-      </p:pic>
-    </p:spTree>
-    <p:extLst>
-      <p:ext uri="{BB962C8B-B14F-4D97-AF65-F5344CB8AC3E}">
-        <p14:creationId xmlns:p14="http://schemas.microsoft.com/office/powerpoint/2010/main" val="1080067468"/>
-      </p:ext>
-    </p:extLst>
-  </p:cSld>
-  <p:clrMapOvr>
-    <a:masterClrMapping/>
-  </p:clrMapOvr>
-</p:sld>
-</file>
-
-<file path=ppt/slides/slide7.xml><?xml version="1.0" encoding="utf-8"?>
-<p:sld xmlns:a="http://schemas.openxmlformats.org/drawingml/2006/main" xmlns:r="http://schemas.openxmlformats.org/officeDocument/2006/relationships" xmlns:p="http://schemas.openxmlformats.org/presentationml/2006/main">
-  <p:cSld>
-    <p:bg>
-      <p:bgPr>
-        <a:solidFill>
-          <a:schemeClr val="bg1"/>
-        </a:solidFill>
-        <a:effectLst/>
-      </p:bgPr>
-    </p:bg>
-    <p:spTree>
-      <p:nvGrpSpPr>
-        <p:cNvPr id="1" name=""/>
-        <p:cNvGrpSpPr/>
-        <p:nvPr/>
-      </p:nvGrpSpPr>
-      <p:grpSpPr>
-        <a:xfrm>
-          <a:off x="0" y="0"/>
-          <a:ext cx="0" cy="0"/>
-          <a:chOff x="0" y="0"/>
-          <a:chExt cx="0" cy="0"/>
-        </a:xfrm>
-      </p:grpSpPr>
-      <p:sp>
-        <p:nvSpPr>
-          <p:cNvPr id="11" name="Rectangle 10">
-            <a:extLst>
-              <a:ext uri="{FF2B5EF4-FFF2-40B4-BE49-F238E27FC236}">
-                <a16:creationId xmlns:a16="http://schemas.microsoft.com/office/drawing/2014/main" id="{AB45A142-4255-493C-8284-5D566C121B10}"/>
-              </a:ext>
-              <a:ext uri="{C183D7F6-B498-43B3-948B-1728B52AA6E4}">
-                <adec:decorative xmlns:adec="http://schemas.microsoft.com/office/drawing/2017/decorative" val="1"/>
-              </a:ext>
-            </a:extLst>
-          </p:cNvPr>
-          <p:cNvSpPr>
-            <a:spLocks noGrp="1" noRot="1" noChangeAspect="1" noMove="1" noResize="1" noEditPoints="1" noAdjustHandles="1" noChangeArrowheads="1" noChangeShapeType="1" noTextEdit="1"/>
-          </p:cNvSpPr>
-          <p:nvPr>
-            <p:extLst>
-              <p:ext uri="{386F3935-93C4-4BCD-93E2-E3B085C9AB24}">
-                <p16:designElem xmlns:p16="http://schemas.microsoft.com/office/powerpoint/2015/main" val="1"/>
-              </p:ext>
-            </p:extLst>
-          </p:nvPr>
-        </p:nvSpPr>
-        <p:spPr bwMode="ltGray">
-          <a:xfrm>
-            <a:off x="336884" y="321177"/>
-            <a:ext cx="4332307" cy="6179552"/>
-          </a:xfrm>
-          <a:prstGeom prst="rect">
-            <a:avLst/>
-          </a:prstGeom>
-          <a:solidFill>
-            <a:srgbClr val="404040">
-              <a:alpha val="89804"/>
-            </a:srgbClr>
-          </a:solidFill>
-          <a:ln w="127000" cap="sq" cmpd="thinThick">
-            <a:solidFill>
-              <a:srgbClr val="595959">
-                <a:alpha val="80000"/>
-              </a:srgbClr>
-            </a:solidFill>
-          </a:ln>
-        </p:spPr>
-        <p:style>
-          <a:lnRef idx="2">
-            <a:schemeClr val="accent1">
-              <a:shade val="50000"/>
-            </a:schemeClr>
-          </a:lnRef>
-          <a:fillRef idx="1">
-            <a:schemeClr val="accent1"/>
-          </a:fillRef>
-          <a:effectRef idx="0">
-            <a:schemeClr val="accent1"/>
-          </a:effectRef>
-          <a:fontRef idx="minor">
-            <a:schemeClr val="lt1"/>
-          </a:fontRef>
-        </p:style>
-        <p:txBody>
-          <a:bodyPr rtlCol="0" anchor="ctr"/>
-          <a:lstStyle/>
-          <a:p>
-            <a:pPr algn="ctr"/>
-            <a:endParaRPr lang="en-US"/>
-          </a:p>
-        </p:txBody>
-      </p:sp>
-      <p:sp>
-        <p:nvSpPr>
-          <p:cNvPr id="2" name="Title 1">
-            <a:extLst>
-              <a:ext uri="{FF2B5EF4-FFF2-40B4-BE49-F238E27FC236}">
-                <a16:creationId xmlns:a16="http://schemas.microsoft.com/office/drawing/2014/main" id="{6C45BE45-8E9F-491A-8693-357AAC08CFE9}"/>
-              </a:ext>
-            </a:extLst>
-          </p:cNvPr>
-          <p:cNvSpPr>
-            <a:spLocks noGrp="1"/>
-          </p:cNvSpPr>
-          <p:nvPr>
-            <p:ph type="title"/>
-          </p:nvPr>
-        </p:nvSpPr>
-        <p:spPr>
-          <a:xfrm>
-            <a:off x="674237" y="914400"/>
-            <a:ext cx="3657600" cy="2887579"/>
-          </a:xfrm>
-        </p:spPr>
-        <p:txBody>
-          <a:bodyPr vert="horz" lIns="91440" tIns="45720" rIns="91440" bIns="45720" rtlCol="0" anchor="b">
-            <a:normAutofit/>
-          </a:bodyPr>
-          <a:lstStyle/>
-          <a:p>
-            <a:pPr algn="ctr"/>
-            <a:r>
-              <a:rPr lang="en-US" sz="4800" kern="1200" dirty="0">
-                <a:solidFill>
-                  <a:srgbClr val="FFFFFF"/>
-                </a:solidFill>
-                <a:latin typeface="+mj-lt"/>
-                <a:ea typeface="+mj-ea"/>
-                <a:cs typeface="+mj-cs"/>
-              </a:rPr>
-              <a:t>Best Features for Prediction</a:t>
-            </a:r>
-          </a:p>
-        </p:txBody>
-      </p:sp>
-      <p:cxnSp>
-        <p:nvCxnSpPr>
-          <p:cNvPr id="13" name="Straight Connector 12">
-            <a:extLst>
-              <a:ext uri="{FF2B5EF4-FFF2-40B4-BE49-F238E27FC236}">
-                <a16:creationId xmlns:a16="http://schemas.microsoft.com/office/drawing/2014/main" id="{38FB9660-F42F-4313-BBC4-47C007FE484C}"/>
-              </a:ext>
-              <a:ext uri="{C183D7F6-B498-43B3-948B-1728B52AA6E4}">
-                <adec:decorative xmlns:adec="http://schemas.microsoft.com/office/drawing/2017/decorative" val="1"/>
-              </a:ext>
-            </a:extLst>
-          </p:cNvPr>
-          <p:cNvCxnSpPr>
-            <a:cxnSpLocks noGrp="1" noRot="1" noChangeAspect="1" noMove="1" noResize="1" noEditPoints="1" noAdjustHandles="1" noChangeArrowheads="1" noChangeShapeType="1"/>
-          </p:cNvCxnSpPr>
-          <p:nvPr>
-            <p:extLst>
-              <p:ext uri="{386F3935-93C4-4BCD-93E2-E3B085C9AB24}">
-                <p16:designElem xmlns:p16="http://schemas.microsoft.com/office/powerpoint/2015/main" val="1"/>
-              </p:ext>
-            </p:extLst>
-          </p:nvPr>
-        </p:nvCxnSpPr>
-        <p:spPr>
-          <a:xfrm>
-            <a:off x="1191126" y="3910267"/>
-            <a:ext cx="2586790" cy="0"/>
-          </a:xfrm>
-          <a:prstGeom prst="line">
-            <a:avLst/>
-          </a:prstGeom>
-          <a:ln w="22225">
-            <a:solidFill>
-              <a:srgbClr val="D9D9D9"/>
-            </a:solidFill>
-          </a:ln>
-        </p:spPr>
-        <p:style>
-          <a:lnRef idx="1">
-            <a:schemeClr val="accent1"/>
-          </a:lnRef>
-          <a:fillRef idx="0">
-            <a:schemeClr val="accent1"/>
-          </a:fillRef>
-          <a:effectRef idx="0">
-            <a:schemeClr val="accent1"/>
-          </a:effectRef>
-          <a:fontRef idx="minor">
-            <a:schemeClr val="tx1"/>
-          </a:fontRef>
-        </p:style>
-      </p:cxnSp>
-      <p:pic>
-        <p:nvPicPr>
-          <p:cNvPr id="6" name="Picture 5">
-            <a:extLst>
-              <a:ext uri="{FF2B5EF4-FFF2-40B4-BE49-F238E27FC236}">
-                <a16:creationId xmlns:a16="http://schemas.microsoft.com/office/drawing/2014/main" id="{7E35D7DE-F745-48C5-AB12-76EB15302A63}"/>
-              </a:ext>
-            </a:extLst>
-          </p:cNvPr>
-          <p:cNvPicPr>
-            <a:picLocks noChangeAspect="1"/>
-          </p:cNvPicPr>
-          <p:nvPr/>
-        </p:nvPicPr>
-        <p:blipFill>
-          <a:blip r:embed="rId2">
-            <a:extLst>
-              <a:ext uri="{28A0092B-C50C-407E-A947-70E740481C1C}">
-                <a14:useLocalDpi xmlns:a14="http://schemas.microsoft.com/office/drawing/2010/main" val="0"/>
-              </a:ext>
-            </a:extLst>
-          </a:blip>
-          <a:srcRect/>
-          <a:stretch/>
-        </p:blipFill>
-        <p:spPr>
-          <a:xfrm>
-            <a:off x="5186079" y="257206"/>
-            <a:ext cx="6307493" cy="6307493"/>
-          </a:xfrm>
-          <a:prstGeom prst="rect">
-            <a:avLst/>
-          </a:prstGeom>
-        </p:spPr>
-      </p:pic>
-    </p:spTree>
-    <p:extLst>
-      <p:ext uri="{BB962C8B-B14F-4D97-AF65-F5344CB8AC3E}">
-        <p14:creationId xmlns:p14="http://schemas.microsoft.com/office/powerpoint/2010/main" val="1445111204"/>
-      </p:ext>
-    </p:extLst>
-  </p:cSld>
-  <p:clrMapOvr>
-    <a:masterClrMapping/>
-  </p:clrMapOvr>
-</p:sld>
-</file>
-
-<file path=ppt/slides/slide8.xml><?xml version="1.0" encoding="utf-8"?>
+<file path=ppt/slides/slide10.xml><?xml version="1.0" encoding="utf-8"?>
 <p:sld xmlns:a="http://schemas.openxmlformats.org/drawingml/2006/main" xmlns:r="http://schemas.openxmlformats.org/officeDocument/2006/relationships" xmlns:p="http://schemas.openxmlformats.org/presentationml/2006/main">
   <p:cSld>
     <p:bg>
@@ -11700,7 +10160,7 @@
 </p:sld>
 </file>
 
-<file path=ppt/slides/slide9.xml><?xml version="1.0" encoding="utf-8"?>
+<file path=ppt/slides/slide11.xml><?xml version="1.0" encoding="utf-8"?>
 <p:sld xmlns:a="http://schemas.openxmlformats.org/drawingml/2006/main" xmlns:r="http://schemas.openxmlformats.org/officeDocument/2006/relationships" xmlns:p="http://schemas.openxmlformats.org/presentationml/2006/main">
   <p:cSld>
     <p:bg>
@@ -12402,6 +10862,1958 @@
 </p:sld>
 </file>
 
+<file path=ppt/slides/slide2.xml><?xml version="1.0" encoding="utf-8"?>
+<p:sld xmlns:a="http://schemas.openxmlformats.org/drawingml/2006/main" xmlns:r="http://schemas.openxmlformats.org/officeDocument/2006/relationships" xmlns:p="http://schemas.openxmlformats.org/presentationml/2006/main">
+  <p:cSld>
+    <p:spTree>
+      <p:nvGrpSpPr>
+        <p:cNvPr id="1" name=""/>
+        <p:cNvGrpSpPr/>
+        <p:nvPr/>
+      </p:nvGrpSpPr>
+      <p:grpSpPr>
+        <a:xfrm>
+          <a:off x="0" y="0"/>
+          <a:ext cx="0" cy="0"/>
+          <a:chOff x="0" y="0"/>
+          <a:chExt cx="0" cy="0"/>
+        </a:xfrm>
+      </p:grpSpPr>
+      <p:sp>
+        <p:nvSpPr>
+          <p:cNvPr id="2" name="Title 1">
+            <a:extLst>
+              <a:ext uri="{FF2B5EF4-FFF2-40B4-BE49-F238E27FC236}">
+                <a16:creationId xmlns:a16="http://schemas.microsoft.com/office/drawing/2014/main" id="{FA400612-4986-42B4-82A3-6C6F35DF4866}"/>
+              </a:ext>
+            </a:extLst>
+          </p:cNvPr>
+          <p:cNvSpPr>
+            <a:spLocks noGrp="1"/>
+          </p:cNvSpPr>
+          <p:nvPr>
+            <p:ph type="title"/>
+          </p:nvPr>
+        </p:nvSpPr>
+        <p:spPr>
+          <a:xfrm>
+            <a:off x="838200" y="365125"/>
+            <a:ext cx="10515600" cy="1325563"/>
+          </a:xfrm>
+        </p:spPr>
+        <p:txBody>
+          <a:bodyPr>
+            <a:normAutofit/>
+          </a:bodyPr>
+          <a:lstStyle/>
+          <a:p>
+            <a:r>
+              <a:rPr lang="en-US" sz="6600" b="1" u="sng"/>
+              <a:t>Heart Disease</a:t>
+            </a:r>
+            <a:endParaRPr lang="en-US" sz="6600" b="1" u="sng" dirty="0"/>
+          </a:p>
+        </p:txBody>
+      </p:sp>
+      <p:sp>
+        <p:nvSpPr>
+          <p:cNvPr id="3" name="Content Placeholder 2">
+            <a:extLst>
+              <a:ext uri="{FF2B5EF4-FFF2-40B4-BE49-F238E27FC236}">
+                <a16:creationId xmlns:a16="http://schemas.microsoft.com/office/drawing/2014/main" id="{3BC0BB97-B0F5-4A8B-8478-D6C50E509D55}"/>
+              </a:ext>
+            </a:extLst>
+          </p:cNvPr>
+          <p:cNvSpPr>
+            <a:spLocks noGrp="1"/>
+          </p:cNvSpPr>
+          <p:nvPr>
+            <p:ph idx="1"/>
+          </p:nvPr>
+        </p:nvSpPr>
+        <p:spPr/>
+        <p:txBody>
+          <a:bodyPr>
+            <a:normAutofit lnSpcReduction="10000"/>
+          </a:bodyPr>
+          <a:lstStyle/>
+          <a:p>
+            <a:r>
+              <a:rPr lang="en-US" dirty="0"/>
+              <a:t>Blood Vessel Diseases (coronary artery disease)</a:t>
+            </a:r>
+          </a:p>
+          <a:p>
+            <a:r>
+              <a:rPr lang="en-US" dirty="0"/>
+              <a:t>Atypical heart rhythms (arrythmias, </a:t>
+            </a:r>
+            <a:r>
+              <a:rPr lang="en-US" dirty="0" err="1"/>
+              <a:t>tachy</a:t>
+            </a:r>
+            <a:r>
+              <a:rPr lang="en-US" dirty="0"/>
+              <a:t>/bradycardia, etc.)</a:t>
+            </a:r>
+          </a:p>
+          <a:p>
+            <a:r>
+              <a:rPr lang="en-US" dirty="0"/>
+              <a:t>Congenital defects</a:t>
+            </a:r>
+          </a:p>
+          <a:p>
+            <a:endParaRPr lang="en-US" dirty="0"/>
+          </a:p>
+          <a:p>
+            <a:r>
+              <a:rPr lang="en-US" b="1" u="sng" dirty="0"/>
+              <a:t>Cardiovascular Disease</a:t>
+            </a:r>
+          </a:p>
+          <a:p>
+            <a:r>
+              <a:rPr lang="en-US" dirty="0"/>
+              <a:t>Narrowed or blocked arteries</a:t>
+            </a:r>
+          </a:p>
+          <a:p>
+            <a:r>
+              <a:rPr lang="en-US" dirty="0"/>
+              <a:t>Atherosclerosis</a:t>
+            </a:r>
+          </a:p>
+          <a:p>
+            <a:r>
+              <a:rPr lang="en-US" dirty="0"/>
+              <a:t>Angina (chest pain)</a:t>
+            </a:r>
+          </a:p>
+          <a:p>
+            <a:r>
+              <a:rPr lang="en-US" dirty="0"/>
+              <a:t>Cardiac arrest or stroke</a:t>
+            </a:r>
+          </a:p>
+        </p:txBody>
+      </p:sp>
+    </p:spTree>
+    <p:extLst>
+      <p:ext uri="{BB962C8B-B14F-4D97-AF65-F5344CB8AC3E}">
+        <p14:creationId xmlns:p14="http://schemas.microsoft.com/office/powerpoint/2010/main" val="2521760115"/>
+      </p:ext>
+    </p:extLst>
+  </p:cSld>
+  <p:clrMapOvr>
+    <a:masterClrMapping/>
+  </p:clrMapOvr>
+</p:sld>
+</file>
+
+<file path=ppt/slides/slide3.xml><?xml version="1.0" encoding="utf-8"?>
+<p:sld xmlns:a="http://schemas.openxmlformats.org/drawingml/2006/main" xmlns:r="http://schemas.openxmlformats.org/officeDocument/2006/relationships" xmlns:p="http://schemas.openxmlformats.org/presentationml/2006/main">
+  <p:cSld>
+    <p:spTree>
+      <p:nvGrpSpPr>
+        <p:cNvPr id="1" name=""/>
+        <p:cNvGrpSpPr/>
+        <p:nvPr/>
+      </p:nvGrpSpPr>
+      <p:grpSpPr>
+        <a:xfrm>
+          <a:off x="0" y="0"/>
+          <a:ext cx="0" cy="0"/>
+          <a:chOff x="0" y="0"/>
+          <a:chExt cx="0" cy="0"/>
+        </a:xfrm>
+      </p:grpSpPr>
+      <p:pic>
+        <p:nvPicPr>
+          <p:cNvPr id="5" name="Picture 4" descr="A close up of a logo&#10;&#10;Description automatically generated">
+            <a:extLst>
+              <a:ext uri="{FF2B5EF4-FFF2-40B4-BE49-F238E27FC236}">
+                <a16:creationId xmlns:a16="http://schemas.microsoft.com/office/drawing/2014/main" id="{42550119-34DF-4326-BB3F-ABBF1A393A41}"/>
+              </a:ext>
+            </a:extLst>
+          </p:cNvPr>
+          <p:cNvPicPr>
+            <a:picLocks noChangeAspect="1"/>
+          </p:cNvPicPr>
+          <p:nvPr/>
+        </p:nvPicPr>
+        <p:blipFill>
+          <a:blip r:embed="rId2">
+            <a:extLst>
+              <a:ext uri="{28A0092B-C50C-407E-A947-70E740481C1C}">
+                <a14:useLocalDpi xmlns:a14="http://schemas.microsoft.com/office/drawing/2010/main" val="0"/>
+              </a:ext>
+            </a:extLst>
+          </a:blip>
+          <a:stretch>
+            <a:fillRect/>
+          </a:stretch>
+        </p:blipFill>
+        <p:spPr>
+          <a:xfrm>
+            <a:off x="2756294" y="601064"/>
+            <a:ext cx="5265578" cy="5265578"/>
+          </a:xfrm>
+          <a:prstGeom prst="rect">
+            <a:avLst/>
+          </a:prstGeom>
+        </p:spPr>
+      </p:pic>
+      <p:sp>
+        <p:nvSpPr>
+          <p:cNvPr id="6" name="TextBox 5">
+            <a:extLst>
+              <a:ext uri="{FF2B5EF4-FFF2-40B4-BE49-F238E27FC236}">
+                <a16:creationId xmlns:a16="http://schemas.microsoft.com/office/drawing/2014/main" id="{1A8A30C4-3A0A-41DE-BB90-484CA4102A9A}"/>
+              </a:ext>
+            </a:extLst>
+          </p:cNvPr>
+          <p:cNvSpPr txBox="1"/>
+          <p:nvPr/>
+        </p:nvSpPr>
+        <p:spPr>
+          <a:xfrm>
+            <a:off x="2698788" y="-119118"/>
+            <a:ext cx="6794424" cy="1015663"/>
+          </a:xfrm>
+          <a:prstGeom prst="rect">
+            <a:avLst/>
+          </a:prstGeom>
+          <a:noFill/>
+        </p:spPr>
+        <p:txBody>
+          <a:bodyPr wrap="none" rtlCol="0">
+            <a:spAutoFit/>
+          </a:bodyPr>
+          <a:lstStyle/>
+          <a:p>
+            <a:r>
+              <a:rPr lang="en-US" sz="6000" b="1" u="sng" dirty="0"/>
+              <a:t>Measured Attributes</a:t>
+            </a:r>
+          </a:p>
+        </p:txBody>
+      </p:sp>
+      <p:sp>
+        <p:nvSpPr>
+          <p:cNvPr id="7" name="TextBox 6">
+            <a:extLst>
+              <a:ext uri="{FF2B5EF4-FFF2-40B4-BE49-F238E27FC236}">
+                <a16:creationId xmlns:a16="http://schemas.microsoft.com/office/drawing/2014/main" id="{F62F0C6D-57D7-458C-9446-5C6FFE6327BB}"/>
+              </a:ext>
+            </a:extLst>
+          </p:cNvPr>
+          <p:cNvSpPr txBox="1"/>
+          <p:nvPr/>
+        </p:nvSpPr>
+        <p:spPr>
+          <a:xfrm>
+            <a:off x="1472188" y="1409612"/>
+            <a:ext cx="1465658" cy="1138773"/>
+          </a:xfrm>
+          <a:prstGeom prst="rect">
+            <a:avLst/>
+          </a:prstGeom>
+          <a:noFill/>
+        </p:spPr>
+        <p:txBody>
+          <a:bodyPr wrap="none" rtlCol="0">
+            <a:spAutoFit/>
+          </a:bodyPr>
+          <a:lstStyle/>
+          <a:p>
+            <a:r>
+              <a:rPr lang="en-US" sz="2800" b="1" u="sng" dirty="0"/>
+              <a:t>Features</a:t>
+            </a:r>
+          </a:p>
+          <a:p>
+            <a:pPr marL="457200" indent="-457200">
+              <a:buFont typeface="Arial" panose="020B0604020202020204" pitchFamily="34" charset="0"/>
+              <a:buChar char="•"/>
+            </a:pPr>
+            <a:r>
+              <a:rPr lang="en-US" sz="2000" dirty="0"/>
+              <a:t>Age</a:t>
+            </a:r>
+          </a:p>
+          <a:p>
+            <a:pPr marL="457200" indent="-457200">
+              <a:buFont typeface="Arial" panose="020B0604020202020204" pitchFamily="34" charset="0"/>
+              <a:buChar char="•"/>
+            </a:pPr>
+            <a:r>
+              <a:rPr lang="en-US" sz="2000" dirty="0"/>
+              <a:t>Sex</a:t>
+            </a:r>
+            <a:endParaRPr lang="en-US" sz="3200" dirty="0"/>
+          </a:p>
+        </p:txBody>
+      </p:sp>
+      <p:sp>
+        <p:nvSpPr>
+          <p:cNvPr id="8" name="TextBox 7">
+            <a:extLst>
+              <a:ext uri="{FF2B5EF4-FFF2-40B4-BE49-F238E27FC236}">
+                <a16:creationId xmlns:a16="http://schemas.microsoft.com/office/drawing/2014/main" id="{E1548E30-2BFE-4310-9E7B-D3C5A0F4EE94}"/>
+              </a:ext>
+            </a:extLst>
+          </p:cNvPr>
+          <p:cNvSpPr txBox="1"/>
+          <p:nvPr/>
+        </p:nvSpPr>
+        <p:spPr>
+          <a:xfrm>
+            <a:off x="137046" y="2763829"/>
+            <a:ext cx="3793403" cy="1446550"/>
+          </a:xfrm>
+          <a:prstGeom prst="rect">
+            <a:avLst/>
+          </a:prstGeom>
+          <a:noFill/>
+        </p:spPr>
+        <p:txBody>
+          <a:bodyPr wrap="square" rtlCol="0">
+            <a:spAutoFit/>
+          </a:bodyPr>
+          <a:lstStyle/>
+          <a:p>
+            <a:r>
+              <a:rPr lang="en-US" sz="2800" b="1" u="sng" dirty="0"/>
+              <a:t>Metabolic Parameters</a:t>
+            </a:r>
+          </a:p>
+          <a:p>
+            <a:pPr marL="457200" indent="-457200">
+              <a:buFont typeface="Arial" panose="020B0604020202020204" pitchFamily="34" charset="0"/>
+              <a:buChar char="•"/>
+            </a:pPr>
+            <a:r>
+              <a:rPr lang="en-US" sz="2000" dirty="0"/>
+              <a:t>Resting Blood Pressure</a:t>
+            </a:r>
+          </a:p>
+          <a:p>
+            <a:pPr marL="457200" indent="-457200">
+              <a:buFont typeface="Arial" panose="020B0604020202020204" pitchFamily="34" charset="0"/>
+              <a:buChar char="•"/>
+            </a:pPr>
+            <a:r>
+              <a:rPr lang="en-US" sz="2000" dirty="0"/>
+              <a:t>Fasting Blood Glucose</a:t>
+            </a:r>
+          </a:p>
+          <a:p>
+            <a:pPr marL="457200" indent="-457200">
+              <a:buFont typeface="Arial" panose="020B0604020202020204" pitchFamily="34" charset="0"/>
+              <a:buChar char="•"/>
+            </a:pPr>
+            <a:r>
+              <a:rPr lang="en-US" sz="2000" dirty="0"/>
+              <a:t>Serum Cholesterol</a:t>
+            </a:r>
+            <a:endParaRPr lang="en-US" sz="3200" dirty="0"/>
+          </a:p>
+        </p:txBody>
+      </p:sp>
+      <p:sp>
+        <p:nvSpPr>
+          <p:cNvPr id="9" name="TextBox 8">
+            <a:extLst>
+              <a:ext uri="{FF2B5EF4-FFF2-40B4-BE49-F238E27FC236}">
+                <a16:creationId xmlns:a16="http://schemas.microsoft.com/office/drawing/2014/main" id="{49678DA8-F499-49F5-AC9E-A03F158BF177}"/>
+              </a:ext>
+            </a:extLst>
+          </p:cNvPr>
+          <p:cNvSpPr txBox="1"/>
+          <p:nvPr/>
+        </p:nvSpPr>
+        <p:spPr>
+          <a:xfrm>
+            <a:off x="27157" y="4600419"/>
+            <a:ext cx="4988460" cy="1446550"/>
+          </a:xfrm>
+          <a:prstGeom prst="rect">
+            <a:avLst/>
+          </a:prstGeom>
+          <a:noFill/>
+        </p:spPr>
+        <p:txBody>
+          <a:bodyPr wrap="square" rtlCol="0">
+            <a:spAutoFit/>
+          </a:bodyPr>
+          <a:lstStyle/>
+          <a:p>
+            <a:r>
+              <a:rPr lang="en-US" sz="2800" b="1" u="sng" dirty="0"/>
+              <a:t>Cardiovascular Measurements</a:t>
+            </a:r>
+          </a:p>
+          <a:p>
+            <a:pPr marL="457200" indent="-457200">
+              <a:buFont typeface="Arial" panose="020B0604020202020204" pitchFamily="34" charset="0"/>
+              <a:buChar char="•"/>
+            </a:pPr>
+            <a:r>
+              <a:rPr lang="en-US" sz="2000" dirty="0"/>
+              <a:t>Resting Electrocardiographic Results</a:t>
+            </a:r>
+          </a:p>
+          <a:p>
+            <a:pPr marL="457200" indent="-457200">
+              <a:buFont typeface="Arial" panose="020B0604020202020204" pitchFamily="34" charset="0"/>
+              <a:buChar char="•"/>
+            </a:pPr>
+            <a:r>
+              <a:rPr lang="en-US" sz="2000" dirty="0"/>
+              <a:t>Maximum Heart Rate</a:t>
+            </a:r>
+          </a:p>
+          <a:p>
+            <a:pPr marL="457200" indent="-457200">
+              <a:buFont typeface="Arial" panose="020B0604020202020204" pitchFamily="34" charset="0"/>
+              <a:buChar char="•"/>
+            </a:pPr>
+            <a:r>
+              <a:rPr lang="en-US" sz="2000" dirty="0"/>
+              <a:t>Exercise Induced Angina </a:t>
+            </a:r>
+          </a:p>
+        </p:txBody>
+      </p:sp>
+      <p:sp>
+        <p:nvSpPr>
+          <p:cNvPr id="10" name="TextBox 9">
+            <a:extLst>
+              <a:ext uri="{FF2B5EF4-FFF2-40B4-BE49-F238E27FC236}">
+                <a16:creationId xmlns:a16="http://schemas.microsoft.com/office/drawing/2014/main" id="{1B0C6B25-38E7-4FAE-9C89-28379EFB64EA}"/>
+              </a:ext>
+            </a:extLst>
+          </p:cNvPr>
+          <p:cNvSpPr txBox="1"/>
+          <p:nvPr/>
+        </p:nvSpPr>
+        <p:spPr>
+          <a:xfrm>
+            <a:off x="6996828" y="1194169"/>
+            <a:ext cx="4988460" cy="1569660"/>
+          </a:xfrm>
+          <a:prstGeom prst="rect">
+            <a:avLst/>
+          </a:prstGeom>
+          <a:noFill/>
+        </p:spPr>
+        <p:txBody>
+          <a:bodyPr wrap="square" rtlCol="0">
+            <a:spAutoFit/>
+          </a:bodyPr>
+          <a:lstStyle/>
+          <a:p>
+            <a:r>
+              <a:rPr lang="en-US" sz="2800" b="1" u="sng" dirty="0"/>
+              <a:t>Stress Test Measurements (EKG)</a:t>
+            </a:r>
+          </a:p>
+          <a:p>
+            <a:pPr marL="457200" indent="-457200">
+              <a:buFont typeface="Arial" panose="020B0604020202020204" pitchFamily="34" charset="0"/>
+              <a:buChar char="•"/>
+            </a:pPr>
+            <a:r>
+              <a:rPr lang="en-US" sz="2000" dirty="0"/>
+              <a:t>Depression</a:t>
+            </a:r>
+          </a:p>
+          <a:p>
+            <a:pPr marL="457200" indent="-457200">
+              <a:buFont typeface="Arial" panose="020B0604020202020204" pitchFamily="34" charset="0"/>
+              <a:buChar char="•"/>
+            </a:pPr>
+            <a:r>
+              <a:rPr lang="en-US" sz="2000" dirty="0"/>
+              <a:t>Slope at Peak Exercise</a:t>
+            </a:r>
+          </a:p>
+          <a:p>
+            <a:endParaRPr lang="en-US" sz="2800" b="1" u="sng" dirty="0"/>
+          </a:p>
+        </p:txBody>
+      </p:sp>
+      <p:sp>
+        <p:nvSpPr>
+          <p:cNvPr id="11" name="TextBox 10">
+            <a:extLst>
+              <a:ext uri="{FF2B5EF4-FFF2-40B4-BE49-F238E27FC236}">
+                <a16:creationId xmlns:a16="http://schemas.microsoft.com/office/drawing/2014/main" id="{15DF7BAD-0F13-4245-8137-A8A421B2244D}"/>
+              </a:ext>
+            </a:extLst>
+          </p:cNvPr>
+          <p:cNvSpPr txBox="1"/>
+          <p:nvPr/>
+        </p:nvSpPr>
+        <p:spPr>
+          <a:xfrm>
+            <a:off x="7682133" y="2821081"/>
+            <a:ext cx="4048408" cy="1569660"/>
+          </a:xfrm>
+          <a:prstGeom prst="rect">
+            <a:avLst/>
+          </a:prstGeom>
+          <a:noFill/>
+        </p:spPr>
+        <p:txBody>
+          <a:bodyPr wrap="square" rtlCol="0">
+            <a:spAutoFit/>
+          </a:bodyPr>
+          <a:lstStyle/>
+          <a:p>
+            <a:r>
+              <a:rPr lang="en-US" sz="2800" b="1" u="sng" dirty="0"/>
+              <a:t>Imaging</a:t>
+            </a:r>
+          </a:p>
+          <a:p>
+            <a:pPr marL="457200" indent="-457200">
+              <a:buFont typeface="Arial" panose="020B0604020202020204" pitchFamily="34" charset="0"/>
+              <a:buChar char="•"/>
+            </a:pPr>
+            <a:r>
+              <a:rPr lang="en-US" sz="2000" dirty="0" err="1"/>
+              <a:t>Thalium</a:t>
+            </a:r>
+            <a:r>
+              <a:rPr lang="en-US" sz="2000" dirty="0"/>
+              <a:t> Stress Test</a:t>
+            </a:r>
+          </a:p>
+          <a:p>
+            <a:pPr marL="457200" indent="-457200">
+              <a:buFont typeface="Arial" panose="020B0604020202020204" pitchFamily="34" charset="0"/>
+              <a:buChar char="•"/>
+            </a:pPr>
+            <a:r>
+              <a:rPr lang="en-US" sz="2000" dirty="0"/>
+              <a:t>Vessels Colored by Fluoroscopy</a:t>
+            </a:r>
+          </a:p>
+          <a:p>
+            <a:endParaRPr lang="en-US" sz="2800" b="1" u="sng" dirty="0"/>
+          </a:p>
+        </p:txBody>
+      </p:sp>
+      <p:sp>
+        <p:nvSpPr>
+          <p:cNvPr id="12" name="TextBox 11">
+            <a:extLst>
+              <a:ext uri="{FF2B5EF4-FFF2-40B4-BE49-F238E27FC236}">
+                <a16:creationId xmlns:a16="http://schemas.microsoft.com/office/drawing/2014/main" id="{CBCAA4D5-D0A8-45E9-AA7E-1D467093F832}"/>
+              </a:ext>
+            </a:extLst>
+          </p:cNvPr>
+          <p:cNvSpPr txBox="1"/>
+          <p:nvPr/>
+        </p:nvSpPr>
+        <p:spPr>
+          <a:xfrm>
+            <a:off x="7466854" y="4629045"/>
+            <a:ext cx="4048408" cy="523220"/>
+          </a:xfrm>
+          <a:prstGeom prst="rect">
+            <a:avLst/>
+          </a:prstGeom>
+          <a:noFill/>
+        </p:spPr>
+        <p:txBody>
+          <a:bodyPr wrap="square" rtlCol="0">
+            <a:spAutoFit/>
+          </a:bodyPr>
+          <a:lstStyle/>
+          <a:p>
+            <a:r>
+              <a:rPr lang="en-US" sz="2800" b="1" u="sng" dirty="0"/>
+              <a:t>Diagnosis by Angiogram</a:t>
+            </a:r>
+          </a:p>
+        </p:txBody>
+      </p:sp>
+    </p:spTree>
+    <p:extLst>
+      <p:ext uri="{BB962C8B-B14F-4D97-AF65-F5344CB8AC3E}">
+        <p14:creationId xmlns:p14="http://schemas.microsoft.com/office/powerpoint/2010/main" val="4153056485"/>
+      </p:ext>
+    </p:extLst>
+  </p:cSld>
+  <p:clrMapOvr>
+    <a:masterClrMapping/>
+  </p:clrMapOvr>
+</p:sld>
+</file>
+
+<file path=ppt/slides/slide4.xml><?xml version="1.0" encoding="utf-8"?>
+<p:sld xmlns:a="http://schemas.openxmlformats.org/drawingml/2006/main" xmlns:r="http://schemas.openxmlformats.org/officeDocument/2006/relationships" xmlns:p="http://schemas.openxmlformats.org/presentationml/2006/main">
+  <p:cSld>
+    <p:bg>
+      <p:bgPr>
+        <a:solidFill>
+          <a:schemeClr val="bg1"/>
+        </a:solidFill>
+        <a:effectLst/>
+      </p:bgPr>
+    </p:bg>
+    <p:spTree>
+      <p:nvGrpSpPr>
+        <p:cNvPr id="1" name=""/>
+        <p:cNvGrpSpPr/>
+        <p:nvPr/>
+      </p:nvGrpSpPr>
+      <p:grpSpPr>
+        <a:xfrm>
+          <a:off x="0" y="0"/>
+          <a:ext cx="0" cy="0"/>
+          <a:chOff x="0" y="0"/>
+          <a:chExt cx="0" cy="0"/>
+        </a:xfrm>
+      </p:grpSpPr>
+      <p:sp>
+        <p:nvSpPr>
+          <p:cNvPr id="23" name="Rectangle 22">
+            <a:extLst>
+              <a:ext uri="{FF2B5EF4-FFF2-40B4-BE49-F238E27FC236}">
+                <a16:creationId xmlns:a16="http://schemas.microsoft.com/office/drawing/2014/main" id="{823AC064-BC96-4F32-8AE1-B2FD38754823}"/>
+              </a:ext>
+              <a:ext uri="{C183D7F6-B498-43B3-948B-1728B52AA6E4}">
+                <adec:decorative xmlns:adec="http://schemas.microsoft.com/office/drawing/2017/decorative" val="1"/>
+              </a:ext>
+            </a:extLst>
+          </p:cNvPr>
+          <p:cNvSpPr>
+            <a:spLocks noGrp="1" noRot="1" noChangeAspect="1" noMove="1" noResize="1" noEditPoints="1" noAdjustHandles="1" noChangeArrowheads="1" noChangeShapeType="1" noTextEdit="1"/>
+          </p:cNvSpPr>
+          <p:nvPr>
+            <p:extLst>
+              <p:ext uri="{386F3935-93C4-4BCD-93E2-E3B085C9AB24}">
+                <p16:designElem xmlns:p16="http://schemas.microsoft.com/office/powerpoint/2015/main" val="1"/>
+              </p:ext>
+            </p:extLst>
+          </p:nvPr>
+        </p:nvSpPr>
+        <p:spPr bwMode="ltGray">
+          <a:xfrm>
+            <a:off x="378068" y="343486"/>
+            <a:ext cx="11438793" cy="1844256"/>
+          </a:xfrm>
+          <a:prstGeom prst="rect">
+            <a:avLst/>
+          </a:prstGeom>
+          <a:solidFill>
+            <a:srgbClr val="404040"/>
+          </a:solidFill>
+          <a:ln w="127000" cap="sq" cmpd="thinThick">
+            <a:solidFill>
+              <a:srgbClr val="404040"/>
+            </a:solidFill>
+          </a:ln>
+        </p:spPr>
+        <p:style>
+          <a:lnRef idx="2">
+            <a:schemeClr val="accent1">
+              <a:shade val="50000"/>
+            </a:schemeClr>
+          </a:lnRef>
+          <a:fillRef idx="1">
+            <a:schemeClr val="accent1"/>
+          </a:fillRef>
+          <a:effectRef idx="0">
+            <a:schemeClr val="accent1"/>
+          </a:effectRef>
+          <a:fontRef idx="minor">
+            <a:schemeClr val="lt1"/>
+          </a:fontRef>
+        </p:style>
+        <p:txBody>
+          <a:bodyPr rtlCol="0" anchor="ctr"/>
+          <a:lstStyle/>
+          <a:p>
+            <a:pPr marL="0" marR="0" lvl="0" indent="0" algn="ctr" defTabSz="914400" rtl="0" eaLnBrk="1" fontAlgn="auto" latinLnBrk="0" hangingPunct="1">
+              <a:lnSpc>
+                <a:spcPct val="100000"/>
+              </a:lnSpc>
+              <a:spcBef>
+                <a:spcPts val="0"/>
+              </a:spcBef>
+              <a:spcAft>
+                <a:spcPts val="0"/>
+              </a:spcAft>
+              <a:buClrTx/>
+              <a:buSzTx/>
+              <a:buFontTx/>
+              <a:buNone/>
+              <a:tabLst/>
+              <a:defRPr/>
+            </a:pPr>
+            <a:endParaRPr kumimoji="0" lang="en-US" sz="1800" b="0" i="0" u="none" strike="noStrike" kern="1200" cap="none" spc="0" normalizeH="0" baseline="0" noProof="0">
+              <a:ln>
+                <a:noFill/>
+              </a:ln>
+              <a:solidFill>
+                <a:prstClr val="white"/>
+              </a:solidFill>
+              <a:effectLst/>
+              <a:uLnTx/>
+              <a:uFillTx/>
+              <a:latin typeface="Calibri" panose="020F0502020204030204"/>
+              <a:ea typeface="+mn-ea"/>
+              <a:cs typeface="+mn-cs"/>
+            </a:endParaRPr>
+          </a:p>
+        </p:txBody>
+      </p:sp>
+      <p:sp>
+        <p:nvSpPr>
+          <p:cNvPr id="6" name="TextBox 5">
+            <a:extLst>
+              <a:ext uri="{FF2B5EF4-FFF2-40B4-BE49-F238E27FC236}">
+                <a16:creationId xmlns:a16="http://schemas.microsoft.com/office/drawing/2014/main" id="{1A8A30C4-3A0A-41DE-BB90-484CA4102A9A}"/>
+              </a:ext>
+            </a:extLst>
+          </p:cNvPr>
+          <p:cNvSpPr txBox="1"/>
+          <p:nvPr/>
+        </p:nvSpPr>
+        <p:spPr>
+          <a:xfrm>
+            <a:off x="526073" y="466578"/>
+            <a:ext cx="11139854" cy="930447"/>
+          </a:xfrm>
+          <a:prstGeom prst="rect">
+            <a:avLst/>
+          </a:prstGeom>
+        </p:spPr>
+        <p:txBody>
+          <a:bodyPr vert="horz" lIns="91440" tIns="45720" rIns="91440" bIns="45720" rtlCol="0" anchor="b">
+            <a:normAutofit/>
+          </a:bodyPr>
+          <a:lstStyle/>
+          <a:p>
+            <a:pPr algn="ctr">
+              <a:lnSpc>
+                <a:spcPct val="90000"/>
+              </a:lnSpc>
+              <a:spcBef>
+                <a:spcPct val="0"/>
+              </a:spcBef>
+              <a:spcAft>
+                <a:spcPts val="600"/>
+              </a:spcAft>
+            </a:pPr>
+            <a:r>
+              <a:rPr lang="en-US" sz="5400" b="1" u="sng" kern="1200">
+                <a:solidFill>
+                  <a:srgbClr val="FFFFFF"/>
+                </a:solidFill>
+                <a:latin typeface="+mj-lt"/>
+                <a:ea typeface="+mj-ea"/>
+                <a:cs typeface="+mj-cs"/>
+              </a:rPr>
+              <a:t>Viewing The Data</a:t>
+            </a:r>
+          </a:p>
+        </p:txBody>
+      </p:sp>
+      <p:cxnSp>
+        <p:nvCxnSpPr>
+          <p:cNvPr id="25" name="Straight Connector 24">
+            <a:extLst>
+              <a:ext uri="{FF2B5EF4-FFF2-40B4-BE49-F238E27FC236}">
+                <a16:creationId xmlns:a16="http://schemas.microsoft.com/office/drawing/2014/main" id="{7E7C77BC-7138-40B1-A15B-20F57A494629}"/>
+              </a:ext>
+              <a:ext uri="{C183D7F6-B498-43B3-948B-1728B52AA6E4}">
+                <adec:decorative xmlns:adec="http://schemas.microsoft.com/office/drawing/2017/decorative" val="1"/>
+              </a:ext>
+            </a:extLst>
+          </p:cNvPr>
+          <p:cNvCxnSpPr>
+            <a:cxnSpLocks noGrp="1" noRot="1" noChangeAspect="1" noMove="1" noResize="1" noEditPoints="1" noAdjustHandles="1" noChangeArrowheads="1" noChangeShapeType="1"/>
+          </p:cNvCxnSpPr>
+          <p:nvPr>
+            <p:extLst>
+              <p:ext uri="{386F3935-93C4-4BCD-93E2-E3B085C9AB24}">
+                <p16:designElem xmlns:p16="http://schemas.microsoft.com/office/powerpoint/2015/main" val="1"/>
+              </p:ext>
+            </p:extLst>
+          </p:nvPr>
+        </p:nvCxnSpPr>
+        <p:spPr>
+          <a:xfrm>
+            <a:off x="2209800" y="1448631"/>
+            <a:ext cx="7772400" cy="0"/>
+          </a:xfrm>
+          <a:prstGeom prst="line">
+            <a:avLst/>
+          </a:prstGeom>
+          <a:ln w="22225">
+            <a:solidFill>
+              <a:srgbClr val="D9D9D9"/>
+            </a:solidFill>
+          </a:ln>
+        </p:spPr>
+        <p:style>
+          <a:lnRef idx="1">
+            <a:schemeClr val="accent1"/>
+          </a:lnRef>
+          <a:fillRef idx="0">
+            <a:schemeClr val="accent1"/>
+          </a:fillRef>
+          <a:effectRef idx="0">
+            <a:schemeClr val="accent1"/>
+          </a:effectRef>
+          <a:fontRef idx="minor">
+            <a:schemeClr val="tx1"/>
+          </a:fontRef>
+        </p:style>
+      </p:cxnSp>
+      <p:pic>
+        <p:nvPicPr>
+          <p:cNvPr id="13" name="Picture 12" descr="A screenshot of a social media post&#10;&#10;Description automatically generated">
+            <a:extLst>
+              <a:ext uri="{FF2B5EF4-FFF2-40B4-BE49-F238E27FC236}">
+                <a16:creationId xmlns:a16="http://schemas.microsoft.com/office/drawing/2014/main" id="{55439CCC-0AA7-4A25-8F46-1D3C1C2EA102}"/>
+              </a:ext>
+            </a:extLst>
+          </p:cNvPr>
+          <p:cNvPicPr>
+            <a:picLocks noChangeAspect="1"/>
+          </p:cNvPicPr>
+          <p:nvPr/>
+        </p:nvPicPr>
+        <p:blipFill>
+          <a:blip r:embed="rId2">
+            <a:extLst>
+              <a:ext uri="{28A0092B-C50C-407E-A947-70E740481C1C}">
+                <a14:useLocalDpi xmlns:a14="http://schemas.microsoft.com/office/drawing/2010/main" val="0"/>
+              </a:ext>
+            </a:extLst>
+          </a:blip>
+          <a:stretch>
+            <a:fillRect/>
+          </a:stretch>
+        </p:blipFill>
+        <p:spPr>
+          <a:xfrm>
+            <a:off x="320040" y="2568642"/>
+            <a:ext cx="11496821" cy="3880175"/>
+          </a:xfrm>
+          <a:prstGeom prst="rect">
+            <a:avLst/>
+          </a:prstGeom>
+        </p:spPr>
+      </p:pic>
+    </p:spTree>
+    <p:extLst>
+      <p:ext uri="{BB962C8B-B14F-4D97-AF65-F5344CB8AC3E}">
+        <p14:creationId xmlns:p14="http://schemas.microsoft.com/office/powerpoint/2010/main" val="1985239494"/>
+      </p:ext>
+    </p:extLst>
+  </p:cSld>
+  <p:clrMapOvr>
+    <a:masterClrMapping/>
+  </p:clrMapOvr>
+</p:sld>
+</file>
+
+<file path=ppt/slides/slide5.xml><?xml version="1.0" encoding="utf-8"?>
+<p:sld xmlns:a="http://schemas.openxmlformats.org/drawingml/2006/main" xmlns:r="http://schemas.openxmlformats.org/officeDocument/2006/relationships" xmlns:p="http://schemas.openxmlformats.org/presentationml/2006/main">
+  <p:cSld>
+    <p:spTree>
+      <p:nvGrpSpPr>
+        <p:cNvPr id="1" name=""/>
+        <p:cNvGrpSpPr/>
+        <p:nvPr/>
+      </p:nvGrpSpPr>
+      <p:grpSpPr>
+        <a:xfrm>
+          <a:off x="0" y="0"/>
+          <a:ext cx="0" cy="0"/>
+          <a:chOff x="0" y="0"/>
+          <a:chExt cx="0" cy="0"/>
+        </a:xfrm>
+      </p:grpSpPr>
+      <p:sp>
+        <p:nvSpPr>
+          <p:cNvPr id="6" name="TextBox 5">
+            <a:extLst>
+              <a:ext uri="{FF2B5EF4-FFF2-40B4-BE49-F238E27FC236}">
+                <a16:creationId xmlns:a16="http://schemas.microsoft.com/office/drawing/2014/main" id="{1A8A30C4-3A0A-41DE-BB90-484CA4102A9A}"/>
+              </a:ext>
+            </a:extLst>
+          </p:cNvPr>
+          <p:cNvSpPr txBox="1"/>
+          <p:nvPr/>
+        </p:nvSpPr>
+        <p:spPr>
+          <a:xfrm>
+            <a:off x="2698788" y="-119118"/>
+            <a:ext cx="6709337" cy="1015663"/>
+          </a:xfrm>
+          <a:prstGeom prst="rect">
+            <a:avLst/>
+          </a:prstGeom>
+          <a:noFill/>
+        </p:spPr>
+        <p:txBody>
+          <a:bodyPr wrap="none" rtlCol="0">
+            <a:spAutoFit/>
+          </a:bodyPr>
+          <a:lstStyle/>
+          <a:p>
+            <a:r>
+              <a:rPr lang="en-US" sz="6000" b="1" u="sng"/>
+              <a:t>Translating The Data</a:t>
+            </a:r>
+            <a:endParaRPr lang="en-US" sz="6000" b="1" u="sng" dirty="0"/>
+          </a:p>
+        </p:txBody>
+      </p:sp>
+      <p:pic>
+        <p:nvPicPr>
+          <p:cNvPr id="7" name="Picture 6" descr="A screenshot of a social media post&#10;&#10;Description automatically generated">
+            <a:extLst>
+              <a:ext uri="{FF2B5EF4-FFF2-40B4-BE49-F238E27FC236}">
+                <a16:creationId xmlns:a16="http://schemas.microsoft.com/office/drawing/2014/main" id="{AB4F8306-424D-4B4B-8DF0-FFEBAF33DB90}"/>
+              </a:ext>
+            </a:extLst>
+          </p:cNvPr>
+          <p:cNvPicPr>
+            <a:picLocks noChangeAspect="1"/>
+          </p:cNvPicPr>
+          <p:nvPr/>
+        </p:nvPicPr>
+        <p:blipFill>
+          <a:blip r:embed="rId2">
+            <a:extLst>
+              <a:ext uri="{28A0092B-C50C-407E-A947-70E740481C1C}">
+                <a14:useLocalDpi xmlns:a14="http://schemas.microsoft.com/office/drawing/2010/main" val="0"/>
+              </a:ext>
+            </a:extLst>
+          </a:blip>
+          <a:stretch>
+            <a:fillRect/>
+          </a:stretch>
+        </p:blipFill>
+        <p:spPr>
+          <a:xfrm>
+            <a:off x="1406979" y="1278099"/>
+            <a:ext cx="9086850" cy="1390650"/>
+          </a:xfrm>
+          <a:prstGeom prst="rect">
+            <a:avLst/>
+          </a:prstGeom>
+        </p:spPr>
+      </p:pic>
+      <p:pic>
+        <p:nvPicPr>
+          <p:cNvPr id="9" name="Picture 8" descr="A screenshot of a cell phone&#10;&#10;Description automatically generated">
+            <a:extLst>
+              <a:ext uri="{FF2B5EF4-FFF2-40B4-BE49-F238E27FC236}">
+                <a16:creationId xmlns:a16="http://schemas.microsoft.com/office/drawing/2014/main" id="{5EDA88BE-3DEB-4E96-BAFD-FF45AE9F4637}"/>
+              </a:ext>
+            </a:extLst>
+          </p:cNvPr>
+          <p:cNvPicPr>
+            <a:picLocks noChangeAspect="1"/>
+          </p:cNvPicPr>
+          <p:nvPr/>
+        </p:nvPicPr>
+        <p:blipFill>
+          <a:blip r:embed="rId3">
+            <a:extLst>
+              <a:ext uri="{28A0092B-C50C-407E-A947-70E740481C1C}">
+                <a14:useLocalDpi xmlns:a14="http://schemas.microsoft.com/office/drawing/2010/main" val="0"/>
+              </a:ext>
+            </a:extLst>
+          </a:blip>
+          <a:stretch>
+            <a:fillRect/>
+          </a:stretch>
+        </p:blipFill>
+        <p:spPr>
+          <a:xfrm>
+            <a:off x="1472292" y="2617626"/>
+            <a:ext cx="8884687" cy="2962275"/>
+          </a:xfrm>
+          <a:prstGeom prst="rect">
+            <a:avLst/>
+          </a:prstGeom>
+        </p:spPr>
+      </p:pic>
+    </p:spTree>
+    <p:extLst>
+      <p:ext uri="{BB962C8B-B14F-4D97-AF65-F5344CB8AC3E}">
+        <p14:creationId xmlns:p14="http://schemas.microsoft.com/office/powerpoint/2010/main" val="3685513685"/>
+      </p:ext>
+    </p:extLst>
+  </p:cSld>
+  <p:clrMapOvr>
+    <a:masterClrMapping/>
+  </p:clrMapOvr>
+</p:sld>
+</file>
+
+<file path=ppt/slides/slide6.xml><?xml version="1.0" encoding="utf-8"?>
+<p:sld xmlns:a="http://schemas.openxmlformats.org/drawingml/2006/main" xmlns:r="http://schemas.openxmlformats.org/officeDocument/2006/relationships" xmlns:p="http://schemas.openxmlformats.org/presentationml/2006/main">
+  <p:cSld>
+    <p:bg>
+      <p:bgPr>
+        <a:solidFill>
+          <a:schemeClr val="bg1"/>
+        </a:solidFill>
+        <a:effectLst/>
+      </p:bgPr>
+    </p:bg>
+    <p:spTree>
+      <p:nvGrpSpPr>
+        <p:cNvPr id="1" name=""/>
+        <p:cNvGrpSpPr/>
+        <p:nvPr/>
+      </p:nvGrpSpPr>
+      <p:grpSpPr>
+        <a:xfrm>
+          <a:off x="0" y="0"/>
+          <a:ext cx="0" cy="0"/>
+          <a:chOff x="0" y="0"/>
+          <a:chExt cx="0" cy="0"/>
+        </a:xfrm>
+      </p:grpSpPr>
+      <p:sp>
+        <p:nvSpPr>
+          <p:cNvPr id="25" name="Rectangle 24">
+            <a:extLst>
+              <a:ext uri="{FF2B5EF4-FFF2-40B4-BE49-F238E27FC236}">
+                <a16:creationId xmlns:a16="http://schemas.microsoft.com/office/drawing/2014/main" id="{AB45A142-4255-493C-8284-5D566C121B10}"/>
+              </a:ext>
+              <a:ext uri="{C183D7F6-B498-43B3-948B-1728B52AA6E4}">
+                <adec:decorative xmlns:adec="http://schemas.microsoft.com/office/drawing/2017/decorative" val="1"/>
+              </a:ext>
+            </a:extLst>
+          </p:cNvPr>
+          <p:cNvSpPr>
+            <a:spLocks noGrp="1" noRot="1" noChangeAspect="1" noMove="1" noResize="1" noEditPoints="1" noAdjustHandles="1" noChangeArrowheads="1" noChangeShapeType="1" noTextEdit="1"/>
+          </p:cNvSpPr>
+          <p:nvPr>
+            <p:extLst>
+              <p:ext uri="{386F3935-93C4-4BCD-93E2-E3B085C9AB24}">
+                <p16:designElem xmlns:p16="http://schemas.microsoft.com/office/powerpoint/2015/main" val="1"/>
+              </p:ext>
+            </p:extLst>
+          </p:nvPr>
+        </p:nvSpPr>
+        <p:spPr bwMode="ltGray">
+          <a:xfrm>
+            <a:off x="336884" y="321177"/>
+            <a:ext cx="4332307" cy="6179552"/>
+          </a:xfrm>
+          <a:prstGeom prst="rect">
+            <a:avLst/>
+          </a:prstGeom>
+          <a:solidFill>
+            <a:srgbClr val="404040">
+              <a:alpha val="89804"/>
+            </a:srgbClr>
+          </a:solidFill>
+          <a:ln w="127000" cap="sq" cmpd="thinThick">
+            <a:solidFill>
+              <a:srgbClr val="595959">
+                <a:alpha val="80000"/>
+              </a:srgbClr>
+            </a:solidFill>
+          </a:ln>
+        </p:spPr>
+        <p:style>
+          <a:lnRef idx="2">
+            <a:schemeClr val="accent1">
+              <a:shade val="50000"/>
+            </a:schemeClr>
+          </a:lnRef>
+          <a:fillRef idx="1">
+            <a:schemeClr val="accent1"/>
+          </a:fillRef>
+          <a:effectRef idx="0">
+            <a:schemeClr val="accent1"/>
+          </a:effectRef>
+          <a:fontRef idx="minor">
+            <a:schemeClr val="lt1"/>
+          </a:fontRef>
+        </p:style>
+        <p:txBody>
+          <a:bodyPr rtlCol="0" anchor="ctr"/>
+          <a:lstStyle/>
+          <a:p>
+            <a:pPr algn="ctr"/>
+            <a:endParaRPr lang="en-US"/>
+          </a:p>
+        </p:txBody>
+      </p:sp>
+      <p:sp>
+        <p:nvSpPr>
+          <p:cNvPr id="2" name="Title 1">
+            <a:extLst>
+              <a:ext uri="{FF2B5EF4-FFF2-40B4-BE49-F238E27FC236}">
+                <a16:creationId xmlns:a16="http://schemas.microsoft.com/office/drawing/2014/main" id="{6C45BE45-8E9F-491A-8693-357AAC08CFE9}"/>
+              </a:ext>
+            </a:extLst>
+          </p:cNvPr>
+          <p:cNvSpPr>
+            <a:spLocks noGrp="1"/>
+          </p:cNvSpPr>
+          <p:nvPr>
+            <p:ph type="title"/>
+          </p:nvPr>
+        </p:nvSpPr>
+        <p:spPr>
+          <a:xfrm>
+            <a:off x="674237" y="914400"/>
+            <a:ext cx="3657600" cy="2887579"/>
+          </a:xfrm>
+        </p:spPr>
+        <p:txBody>
+          <a:bodyPr vert="horz" lIns="91440" tIns="45720" rIns="91440" bIns="45720" rtlCol="0" anchor="b">
+            <a:normAutofit/>
+          </a:bodyPr>
+          <a:lstStyle/>
+          <a:p>
+            <a:pPr algn="ctr"/>
+            <a:r>
+              <a:rPr lang="en-US" sz="4800" kern="1200" dirty="0">
+                <a:solidFill>
+                  <a:srgbClr val="FFFFFF"/>
+                </a:solidFill>
+                <a:latin typeface="+mj-lt"/>
+                <a:ea typeface="+mj-ea"/>
+                <a:cs typeface="+mj-cs"/>
+              </a:rPr>
+              <a:t>Best Features for Prediction</a:t>
+            </a:r>
+          </a:p>
+        </p:txBody>
+      </p:sp>
+      <p:cxnSp>
+        <p:nvCxnSpPr>
+          <p:cNvPr id="27" name="Straight Connector 26">
+            <a:extLst>
+              <a:ext uri="{FF2B5EF4-FFF2-40B4-BE49-F238E27FC236}">
+                <a16:creationId xmlns:a16="http://schemas.microsoft.com/office/drawing/2014/main" id="{38FB9660-F42F-4313-BBC4-47C007FE484C}"/>
+              </a:ext>
+              <a:ext uri="{C183D7F6-B498-43B3-948B-1728B52AA6E4}">
+                <adec:decorative xmlns:adec="http://schemas.microsoft.com/office/drawing/2017/decorative" val="1"/>
+              </a:ext>
+            </a:extLst>
+          </p:cNvPr>
+          <p:cNvCxnSpPr>
+            <a:cxnSpLocks noGrp="1" noRot="1" noChangeAspect="1" noMove="1" noResize="1" noEditPoints="1" noAdjustHandles="1" noChangeArrowheads="1" noChangeShapeType="1"/>
+          </p:cNvCxnSpPr>
+          <p:nvPr>
+            <p:extLst>
+              <p:ext uri="{386F3935-93C4-4BCD-93E2-E3B085C9AB24}">
+                <p16:designElem xmlns:p16="http://schemas.microsoft.com/office/powerpoint/2015/main" val="1"/>
+              </p:ext>
+            </p:extLst>
+          </p:nvPr>
+        </p:nvCxnSpPr>
+        <p:spPr>
+          <a:xfrm>
+            <a:off x="1191126" y="3910267"/>
+            <a:ext cx="2586790" cy="0"/>
+          </a:xfrm>
+          <a:prstGeom prst="line">
+            <a:avLst/>
+          </a:prstGeom>
+          <a:ln w="22225">
+            <a:solidFill>
+              <a:srgbClr val="D9D9D9"/>
+            </a:solidFill>
+          </a:ln>
+        </p:spPr>
+        <p:style>
+          <a:lnRef idx="1">
+            <a:schemeClr val="accent1"/>
+          </a:lnRef>
+          <a:fillRef idx="0">
+            <a:schemeClr val="accent1"/>
+          </a:fillRef>
+          <a:effectRef idx="0">
+            <a:schemeClr val="accent1"/>
+          </a:effectRef>
+          <a:fontRef idx="minor">
+            <a:schemeClr val="tx1"/>
+          </a:fontRef>
+        </p:style>
+      </p:cxnSp>
+      <p:pic>
+        <p:nvPicPr>
+          <p:cNvPr id="7" name="Picture 6" descr="A screenshot of a cell phone&#10;&#10;Description automatically generated">
+            <a:extLst>
+              <a:ext uri="{FF2B5EF4-FFF2-40B4-BE49-F238E27FC236}">
+                <a16:creationId xmlns:a16="http://schemas.microsoft.com/office/drawing/2014/main" id="{199F5844-FFEE-4900-B205-26B6622A5AA5}"/>
+              </a:ext>
+            </a:extLst>
+          </p:cNvPr>
+          <p:cNvPicPr>
+            <a:picLocks noChangeAspect="1"/>
+          </p:cNvPicPr>
+          <p:nvPr/>
+        </p:nvPicPr>
+        <p:blipFill>
+          <a:blip r:embed="rId2">
+            <a:extLst>
+              <a:ext uri="{28A0092B-C50C-407E-A947-70E740481C1C}">
+                <a14:useLocalDpi xmlns:a14="http://schemas.microsoft.com/office/drawing/2010/main" val="0"/>
+              </a:ext>
+            </a:extLst>
+          </a:blip>
+          <a:stretch>
+            <a:fillRect/>
+          </a:stretch>
+        </p:blipFill>
+        <p:spPr>
+          <a:xfrm>
+            <a:off x="5490196" y="492573"/>
+            <a:ext cx="5880796" cy="5880796"/>
+          </a:xfrm>
+          <a:prstGeom prst="rect">
+            <a:avLst/>
+          </a:prstGeom>
+        </p:spPr>
+      </p:pic>
+    </p:spTree>
+    <p:extLst>
+      <p:ext uri="{BB962C8B-B14F-4D97-AF65-F5344CB8AC3E}">
+        <p14:creationId xmlns:p14="http://schemas.microsoft.com/office/powerpoint/2010/main" val="2905534078"/>
+      </p:ext>
+    </p:extLst>
+  </p:cSld>
+  <p:clrMapOvr>
+    <a:masterClrMapping/>
+  </p:clrMapOvr>
+</p:sld>
+</file>
+
+<file path=ppt/slides/slide7.xml><?xml version="1.0" encoding="utf-8"?>
+<p:sld xmlns:a="http://schemas.openxmlformats.org/drawingml/2006/main" xmlns:r="http://schemas.openxmlformats.org/officeDocument/2006/relationships" xmlns:p="http://schemas.openxmlformats.org/presentationml/2006/main">
+  <p:cSld>
+    <p:bg>
+      <p:bgPr>
+        <a:solidFill>
+          <a:schemeClr val="bg1"/>
+        </a:solidFill>
+        <a:effectLst/>
+      </p:bgPr>
+    </p:bg>
+    <p:spTree>
+      <p:nvGrpSpPr>
+        <p:cNvPr id="1" name=""/>
+        <p:cNvGrpSpPr/>
+        <p:nvPr/>
+      </p:nvGrpSpPr>
+      <p:grpSpPr>
+        <a:xfrm>
+          <a:off x="0" y="0"/>
+          <a:ext cx="0" cy="0"/>
+          <a:chOff x="0" y="0"/>
+          <a:chExt cx="0" cy="0"/>
+        </a:xfrm>
+      </p:grpSpPr>
+      <p:sp>
+        <p:nvSpPr>
+          <p:cNvPr id="11" name="Rectangle 10">
+            <a:extLst>
+              <a:ext uri="{FF2B5EF4-FFF2-40B4-BE49-F238E27FC236}">
+                <a16:creationId xmlns:a16="http://schemas.microsoft.com/office/drawing/2014/main" id="{AB45A142-4255-493C-8284-5D566C121B10}"/>
+              </a:ext>
+              <a:ext uri="{C183D7F6-B498-43B3-948B-1728B52AA6E4}">
+                <adec:decorative xmlns:adec="http://schemas.microsoft.com/office/drawing/2017/decorative" val="1"/>
+              </a:ext>
+            </a:extLst>
+          </p:cNvPr>
+          <p:cNvSpPr>
+            <a:spLocks noGrp="1" noRot="1" noChangeAspect="1" noMove="1" noResize="1" noEditPoints="1" noAdjustHandles="1" noChangeArrowheads="1" noChangeShapeType="1" noTextEdit="1"/>
+          </p:cNvSpPr>
+          <p:nvPr>
+            <p:extLst>
+              <p:ext uri="{386F3935-93C4-4BCD-93E2-E3B085C9AB24}">
+                <p16:designElem xmlns:p16="http://schemas.microsoft.com/office/powerpoint/2015/main" val="1"/>
+              </p:ext>
+            </p:extLst>
+          </p:nvPr>
+        </p:nvSpPr>
+        <p:spPr bwMode="ltGray">
+          <a:xfrm>
+            <a:off x="336884" y="321177"/>
+            <a:ext cx="4332307" cy="6179552"/>
+          </a:xfrm>
+          <a:prstGeom prst="rect">
+            <a:avLst/>
+          </a:prstGeom>
+          <a:solidFill>
+            <a:srgbClr val="404040">
+              <a:alpha val="89804"/>
+            </a:srgbClr>
+          </a:solidFill>
+          <a:ln w="127000" cap="sq" cmpd="thinThick">
+            <a:solidFill>
+              <a:srgbClr val="595959">
+                <a:alpha val="80000"/>
+              </a:srgbClr>
+            </a:solidFill>
+          </a:ln>
+        </p:spPr>
+        <p:style>
+          <a:lnRef idx="2">
+            <a:schemeClr val="accent1">
+              <a:shade val="50000"/>
+            </a:schemeClr>
+          </a:lnRef>
+          <a:fillRef idx="1">
+            <a:schemeClr val="accent1"/>
+          </a:fillRef>
+          <a:effectRef idx="0">
+            <a:schemeClr val="accent1"/>
+          </a:effectRef>
+          <a:fontRef idx="minor">
+            <a:schemeClr val="lt1"/>
+          </a:fontRef>
+        </p:style>
+        <p:txBody>
+          <a:bodyPr rtlCol="0" anchor="ctr"/>
+          <a:lstStyle/>
+          <a:p>
+            <a:pPr algn="ctr"/>
+            <a:endParaRPr lang="en-US"/>
+          </a:p>
+        </p:txBody>
+      </p:sp>
+      <p:sp>
+        <p:nvSpPr>
+          <p:cNvPr id="2" name="Title 1">
+            <a:extLst>
+              <a:ext uri="{FF2B5EF4-FFF2-40B4-BE49-F238E27FC236}">
+                <a16:creationId xmlns:a16="http://schemas.microsoft.com/office/drawing/2014/main" id="{6C45BE45-8E9F-491A-8693-357AAC08CFE9}"/>
+              </a:ext>
+            </a:extLst>
+          </p:cNvPr>
+          <p:cNvSpPr>
+            <a:spLocks noGrp="1"/>
+          </p:cNvSpPr>
+          <p:nvPr>
+            <p:ph type="title"/>
+          </p:nvPr>
+        </p:nvSpPr>
+        <p:spPr>
+          <a:xfrm>
+            <a:off x="674237" y="914400"/>
+            <a:ext cx="3657600" cy="2887579"/>
+          </a:xfrm>
+        </p:spPr>
+        <p:txBody>
+          <a:bodyPr vert="horz" lIns="91440" tIns="45720" rIns="91440" bIns="45720" rtlCol="0" anchor="b">
+            <a:normAutofit/>
+          </a:bodyPr>
+          <a:lstStyle/>
+          <a:p>
+            <a:pPr algn="ctr"/>
+            <a:r>
+              <a:rPr lang="en-US" sz="4800" kern="1200" dirty="0">
+                <a:solidFill>
+                  <a:srgbClr val="FFFFFF"/>
+                </a:solidFill>
+                <a:latin typeface="+mj-lt"/>
+                <a:ea typeface="+mj-ea"/>
+                <a:cs typeface="+mj-cs"/>
+              </a:rPr>
+              <a:t>Best Features for Prediction</a:t>
+            </a:r>
+          </a:p>
+        </p:txBody>
+      </p:sp>
+      <p:cxnSp>
+        <p:nvCxnSpPr>
+          <p:cNvPr id="13" name="Straight Connector 12">
+            <a:extLst>
+              <a:ext uri="{FF2B5EF4-FFF2-40B4-BE49-F238E27FC236}">
+                <a16:creationId xmlns:a16="http://schemas.microsoft.com/office/drawing/2014/main" id="{38FB9660-F42F-4313-BBC4-47C007FE484C}"/>
+              </a:ext>
+              <a:ext uri="{C183D7F6-B498-43B3-948B-1728B52AA6E4}">
+                <adec:decorative xmlns:adec="http://schemas.microsoft.com/office/drawing/2017/decorative" val="1"/>
+              </a:ext>
+            </a:extLst>
+          </p:cNvPr>
+          <p:cNvCxnSpPr>
+            <a:cxnSpLocks noGrp="1" noRot="1" noChangeAspect="1" noMove="1" noResize="1" noEditPoints="1" noAdjustHandles="1" noChangeArrowheads="1" noChangeShapeType="1"/>
+          </p:cNvCxnSpPr>
+          <p:nvPr>
+            <p:extLst>
+              <p:ext uri="{386F3935-93C4-4BCD-93E2-E3B085C9AB24}">
+                <p16:designElem xmlns:p16="http://schemas.microsoft.com/office/powerpoint/2015/main" val="1"/>
+              </p:ext>
+            </p:extLst>
+          </p:nvPr>
+        </p:nvCxnSpPr>
+        <p:spPr>
+          <a:xfrm>
+            <a:off x="1191126" y="3910267"/>
+            <a:ext cx="2586790" cy="0"/>
+          </a:xfrm>
+          <a:prstGeom prst="line">
+            <a:avLst/>
+          </a:prstGeom>
+          <a:ln w="22225">
+            <a:solidFill>
+              <a:srgbClr val="D9D9D9"/>
+            </a:solidFill>
+          </a:ln>
+        </p:spPr>
+        <p:style>
+          <a:lnRef idx="1">
+            <a:schemeClr val="accent1"/>
+          </a:lnRef>
+          <a:fillRef idx="0">
+            <a:schemeClr val="accent1"/>
+          </a:fillRef>
+          <a:effectRef idx="0">
+            <a:schemeClr val="accent1"/>
+          </a:effectRef>
+          <a:fontRef idx="minor">
+            <a:schemeClr val="tx1"/>
+          </a:fontRef>
+        </p:style>
+      </p:cxnSp>
+      <p:pic>
+        <p:nvPicPr>
+          <p:cNvPr id="6" name="Picture 5" descr="A screenshot of a cell phone&#10;&#10;Description automatically generated">
+            <a:extLst>
+              <a:ext uri="{FF2B5EF4-FFF2-40B4-BE49-F238E27FC236}">
+                <a16:creationId xmlns:a16="http://schemas.microsoft.com/office/drawing/2014/main" id="{7E35D7DE-F745-48C5-AB12-76EB15302A63}"/>
+              </a:ext>
+            </a:extLst>
+          </p:cNvPr>
+          <p:cNvPicPr>
+            <a:picLocks noChangeAspect="1"/>
+          </p:cNvPicPr>
+          <p:nvPr/>
+        </p:nvPicPr>
+        <p:blipFill>
+          <a:blip r:embed="rId2">
+            <a:extLst>
+              <a:ext uri="{28A0092B-C50C-407E-A947-70E740481C1C}">
+                <a14:useLocalDpi xmlns:a14="http://schemas.microsoft.com/office/drawing/2010/main" val="0"/>
+              </a:ext>
+            </a:extLst>
+          </a:blip>
+          <a:stretch>
+            <a:fillRect/>
+          </a:stretch>
+        </p:blipFill>
+        <p:spPr>
+          <a:xfrm>
+            <a:off x="5490196" y="492573"/>
+            <a:ext cx="5880796" cy="5880796"/>
+          </a:xfrm>
+          <a:prstGeom prst="rect">
+            <a:avLst/>
+          </a:prstGeom>
+        </p:spPr>
+      </p:pic>
+    </p:spTree>
+    <p:extLst>
+      <p:ext uri="{BB962C8B-B14F-4D97-AF65-F5344CB8AC3E}">
+        <p14:creationId xmlns:p14="http://schemas.microsoft.com/office/powerpoint/2010/main" val="942840649"/>
+      </p:ext>
+    </p:extLst>
+  </p:cSld>
+  <p:clrMapOvr>
+    <a:masterClrMapping/>
+  </p:clrMapOvr>
+</p:sld>
+</file>
+
+<file path=ppt/slides/slide8.xml><?xml version="1.0" encoding="utf-8"?>
+<p:sld xmlns:a="http://schemas.openxmlformats.org/drawingml/2006/main" xmlns:r="http://schemas.openxmlformats.org/officeDocument/2006/relationships" xmlns:p="http://schemas.openxmlformats.org/presentationml/2006/main">
+  <p:cSld>
+    <p:bg>
+      <p:bgPr>
+        <a:solidFill>
+          <a:schemeClr val="bg1"/>
+        </a:solidFill>
+        <a:effectLst/>
+      </p:bgPr>
+    </p:bg>
+    <p:spTree>
+      <p:nvGrpSpPr>
+        <p:cNvPr id="1" name=""/>
+        <p:cNvGrpSpPr/>
+        <p:nvPr/>
+      </p:nvGrpSpPr>
+      <p:grpSpPr>
+        <a:xfrm>
+          <a:off x="0" y="0"/>
+          <a:ext cx="0" cy="0"/>
+          <a:chOff x="0" y="0"/>
+          <a:chExt cx="0" cy="0"/>
+        </a:xfrm>
+      </p:grpSpPr>
+      <p:sp>
+        <p:nvSpPr>
+          <p:cNvPr id="11" name="Rectangle 10">
+            <a:extLst>
+              <a:ext uri="{FF2B5EF4-FFF2-40B4-BE49-F238E27FC236}">
+                <a16:creationId xmlns:a16="http://schemas.microsoft.com/office/drawing/2014/main" id="{AB45A142-4255-493C-8284-5D566C121B10}"/>
+              </a:ext>
+              <a:ext uri="{C183D7F6-B498-43B3-948B-1728B52AA6E4}">
+                <adec:decorative xmlns:adec="http://schemas.microsoft.com/office/drawing/2017/decorative" val="1"/>
+              </a:ext>
+            </a:extLst>
+          </p:cNvPr>
+          <p:cNvSpPr>
+            <a:spLocks noGrp="1" noRot="1" noChangeAspect="1" noMove="1" noResize="1" noEditPoints="1" noAdjustHandles="1" noChangeArrowheads="1" noChangeShapeType="1" noTextEdit="1"/>
+          </p:cNvSpPr>
+          <p:nvPr>
+            <p:extLst>
+              <p:ext uri="{386F3935-93C4-4BCD-93E2-E3B085C9AB24}">
+                <p16:designElem xmlns:p16="http://schemas.microsoft.com/office/powerpoint/2015/main" val="1"/>
+              </p:ext>
+            </p:extLst>
+          </p:nvPr>
+        </p:nvSpPr>
+        <p:spPr bwMode="ltGray">
+          <a:xfrm>
+            <a:off x="336884" y="321177"/>
+            <a:ext cx="4332307" cy="6179552"/>
+          </a:xfrm>
+          <a:prstGeom prst="rect">
+            <a:avLst/>
+          </a:prstGeom>
+          <a:solidFill>
+            <a:srgbClr val="404040">
+              <a:alpha val="89804"/>
+            </a:srgbClr>
+          </a:solidFill>
+          <a:ln w="127000" cap="sq" cmpd="thinThick">
+            <a:solidFill>
+              <a:srgbClr val="595959">
+                <a:alpha val="80000"/>
+              </a:srgbClr>
+            </a:solidFill>
+          </a:ln>
+        </p:spPr>
+        <p:style>
+          <a:lnRef idx="2">
+            <a:schemeClr val="accent1">
+              <a:shade val="50000"/>
+            </a:schemeClr>
+          </a:lnRef>
+          <a:fillRef idx="1">
+            <a:schemeClr val="accent1"/>
+          </a:fillRef>
+          <a:effectRef idx="0">
+            <a:schemeClr val="accent1"/>
+          </a:effectRef>
+          <a:fontRef idx="minor">
+            <a:schemeClr val="lt1"/>
+          </a:fontRef>
+        </p:style>
+        <p:txBody>
+          <a:bodyPr rtlCol="0" anchor="ctr"/>
+          <a:lstStyle/>
+          <a:p>
+            <a:pPr algn="ctr"/>
+            <a:endParaRPr lang="en-US"/>
+          </a:p>
+        </p:txBody>
+      </p:sp>
+      <p:sp>
+        <p:nvSpPr>
+          <p:cNvPr id="2" name="Title 1">
+            <a:extLst>
+              <a:ext uri="{FF2B5EF4-FFF2-40B4-BE49-F238E27FC236}">
+                <a16:creationId xmlns:a16="http://schemas.microsoft.com/office/drawing/2014/main" id="{6C45BE45-8E9F-491A-8693-357AAC08CFE9}"/>
+              </a:ext>
+            </a:extLst>
+          </p:cNvPr>
+          <p:cNvSpPr>
+            <a:spLocks noGrp="1"/>
+          </p:cNvSpPr>
+          <p:nvPr>
+            <p:ph type="title"/>
+          </p:nvPr>
+        </p:nvSpPr>
+        <p:spPr>
+          <a:xfrm>
+            <a:off x="674237" y="914400"/>
+            <a:ext cx="3657600" cy="2887579"/>
+          </a:xfrm>
+        </p:spPr>
+        <p:txBody>
+          <a:bodyPr vert="horz" lIns="91440" tIns="45720" rIns="91440" bIns="45720" rtlCol="0" anchor="b">
+            <a:normAutofit/>
+          </a:bodyPr>
+          <a:lstStyle/>
+          <a:p>
+            <a:pPr algn="ctr"/>
+            <a:r>
+              <a:rPr lang="en-US" sz="4800" kern="1200" dirty="0">
+                <a:solidFill>
+                  <a:srgbClr val="FFFFFF"/>
+                </a:solidFill>
+                <a:latin typeface="+mj-lt"/>
+                <a:ea typeface="+mj-ea"/>
+                <a:cs typeface="+mj-cs"/>
+              </a:rPr>
+              <a:t>Best Features for Prediction</a:t>
+            </a:r>
+          </a:p>
+        </p:txBody>
+      </p:sp>
+      <p:cxnSp>
+        <p:nvCxnSpPr>
+          <p:cNvPr id="13" name="Straight Connector 12">
+            <a:extLst>
+              <a:ext uri="{FF2B5EF4-FFF2-40B4-BE49-F238E27FC236}">
+                <a16:creationId xmlns:a16="http://schemas.microsoft.com/office/drawing/2014/main" id="{38FB9660-F42F-4313-BBC4-47C007FE484C}"/>
+              </a:ext>
+              <a:ext uri="{C183D7F6-B498-43B3-948B-1728B52AA6E4}">
+                <adec:decorative xmlns:adec="http://schemas.microsoft.com/office/drawing/2017/decorative" val="1"/>
+              </a:ext>
+            </a:extLst>
+          </p:cNvPr>
+          <p:cNvCxnSpPr>
+            <a:cxnSpLocks noGrp="1" noRot="1" noChangeAspect="1" noMove="1" noResize="1" noEditPoints="1" noAdjustHandles="1" noChangeArrowheads="1" noChangeShapeType="1"/>
+          </p:cNvCxnSpPr>
+          <p:nvPr>
+            <p:extLst>
+              <p:ext uri="{386F3935-93C4-4BCD-93E2-E3B085C9AB24}">
+                <p16:designElem xmlns:p16="http://schemas.microsoft.com/office/powerpoint/2015/main" val="1"/>
+              </p:ext>
+            </p:extLst>
+          </p:nvPr>
+        </p:nvCxnSpPr>
+        <p:spPr>
+          <a:xfrm>
+            <a:off x="1191126" y="3910267"/>
+            <a:ext cx="2586790" cy="0"/>
+          </a:xfrm>
+          <a:prstGeom prst="line">
+            <a:avLst/>
+          </a:prstGeom>
+          <a:ln w="22225">
+            <a:solidFill>
+              <a:srgbClr val="D9D9D9"/>
+            </a:solidFill>
+          </a:ln>
+        </p:spPr>
+        <p:style>
+          <a:lnRef idx="1">
+            <a:schemeClr val="accent1"/>
+          </a:lnRef>
+          <a:fillRef idx="0">
+            <a:schemeClr val="accent1"/>
+          </a:fillRef>
+          <a:effectRef idx="0">
+            <a:schemeClr val="accent1"/>
+          </a:effectRef>
+          <a:fontRef idx="minor">
+            <a:schemeClr val="tx1"/>
+          </a:fontRef>
+        </p:style>
+      </p:cxnSp>
+      <p:pic>
+        <p:nvPicPr>
+          <p:cNvPr id="6" name="Picture 5">
+            <a:extLst>
+              <a:ext uri="{FF2B5EF4-FFF2-40B4-BE49-F238E27FC236}">
+                <a16:creationId xmlns:a16="http://schemas.microsoft.com/office/drawing/2014/main" id="{7E35D7DE-F745-48C5-AB12-76EB15302A63}"/>
+              </a:ext>
+            </a:extLst>
+          </p:cNvPr>
+          <p:cNvPicPr>
+            <a:picLocks noChangeAspect="1"/>
+          </p:cNvPicPr>
+          <p:nvPr/>
+        </p:nvPicPr>
+        <p:blipFill>
+          <a:blip r:embed="rId2">
+            <a:extLst>
+              <a:ext uri="{28A0092B-C50C-407E-A947-70E740481C1C}">
+                <a14:useLocalDpi xmlns:a14="http://schemas.microsoft.com/office/drawing/2010/main" val="0"/>
+              </a:ext>
+            </a:extLst>
+          </a:blip>
+          <a:srcRect/>
+          <a:stretch/>
+        </p:blipFill>
+        <p:spPr>
+          <a:xfrm>
+            <a:off x="5006544" y="699796"/>
+            <a:ext cx="6932367" cy="5458407"/>
+          </a:xfrm>
+          <a:prstGeom prst="rect">
+            <a:avLst/>
+          </a:prstGeom>
+        </p:spPr>
+      </p:pic>
+    </p:spTree>
+    <p:extLst>
+      <p:ext uri="{BB962C8B-B14F-4D97-AF65-F5344CB8AC3E}">
+        <p14:creationId xmlns:p14="http://schemas.microsoft.com/office/powerpoint/2010/main" val="1080067468"/>
+      </p:ext>
+    </p:extLst>
+  </p:cSld>
+  <p:clrMapOvr>
+    <a:masterClrMapping/>
+  </p:clrMapOvr>
+</p:sld>
+</file>
+
+<file path=ppt/slides/slide9.xml><?xml version="1.0" encoding="utf-8"?>
+<p:sld xmlns:a="http://schemas.openxmlformats.org/drawingml/2006/main" xmlns:r="http://schemas.openxmlformats.org/officeDocument/2006/relationships" xmlns:p="http://schemas.openxmlformats.org/presentationml/2006/main">
+  <p:cSld>
+    <p:bg>
+      <p:bgPr>
+        <a:solidFill>
+          <a:schemeClr val="bg1"/>
+        </a:solidFill>
+        <a:effectLst/>
+      </p:bgPr>
+    </p:bg>
+    <p:spTree>
+      <p:nvGrpSpPr>
+        <p:cNvPr id="1" name=""/>
+        <p:cNvGrpSpPr/>
+        <p:nvPr/>
+      </p:nvGrpSpPr>
+      <p:grpSpPr>
+        <a:xfrm>
+          <a:off x="0" y="0"/>
+          <a:ext cx="0" cy="0"/>
+          <a:chOff x="0" y="0"/>
+          <a:chExt cx="0" cy="0"/>
+        </a:xfrm>
+      </p:grpSpPr>
+      <p:sp>
+        <p:nvSpPr>
+          <p:cNvPr id="11" name="Rectangle 10">
+            <a:extLst>
+              <a:ext uri="{FF2B5EF4-FFF2-40B4-BE49-F238E27FC236}">
+                <a16:creationId xmlns:a16="http://schemas.microsoft.com/office/drawing/2014/main" id="{AB45A142-4255-493C-8284-5D566C121B10}"/>
+              </a:ext>
+              <a:ext uri="{C183D7F6-B498-43B3-948B-1728B52AA6E4}">
+                <adec:decorative xmlns:adec="http://schemas.microsoft.com/office/drawing/2017/decorative" val="1"/>
+              </a:ext>
+            </a:extLst>
+          </p:cNvPr>
+          <p:cNvSpPr>
+            <a:spLocks noGrp="1" noRot="1" noChangeAspect="1" noMove="1" noResize="1" noEditPoints="1" noAdjustHandles="1" noChangeArrowheads="1" noChangeShapeType="1" noTextEdit="1"/>
+          </p:cNvSpPr>
+          <p:nvPr>
+            <p:extLst>
+              <p:ext uri="{386F3935-93C4-4BCD-93E2-E3B085C9AB24}">
+                <p16:designElem xmlns:p16="http://schemas.microsoft.com/office/powerpoint/2015/main" val="1"/>
+              </p:ext>
+            </p:extLst>
+          </p:nvPr>
+        </p:nvSpPr>
+        <p:spPr bwMode="ltGray">
+          <a:xfrm>
+            <a:off x="336884" y="321177"/>
+            <a:ext cx="4332307" cy="6179552"/>
+          </a:xfrm>
+          <a:prstGeom prst="rect">
+            <a:avLst/>
+          </a:prstGeom>
+          <a:solidFill>
+            <a:srgbClr val="404040">
+              <a:alpha val="89804"/>
+            </a:srgbClr>
+          </a:solidFill>
+          <a:ln w="127000" cap="sq" cmpd="thinThick">
+            <a:solidFill>
+              <a:srgbClr val="595959">
+                <a:alpha val="80000"/>
+              </a:srgbClr>
+            </a:solidFill>
+          </a:ln>
+        </p:spPr>
+        <p:style>
+          <a:lnRef idx="2">
+            <a:schemeClr val="accent1">
+              <a:shade val="50000"/>
+            </a:schemeClr>
+          </a:lnRef>
+          <a:fillRef idx="1">
+            <a:schemeClr val="accent1"/>
+          </a:fillRef>
+          <a:effectRef idx="0">
+            <a:schemeClr val="accent1"/>
+          </a:effectRef>
+          <a:fontRef idx="minor">
+            <a:schemeClr val="lt1"/>
+          </a:fontRef>
+        </p:style>
+        <p:txBody>
+          <a:bodyPr rtlCol="0" anchor="ctr"/>
+          <a:lstStyle/>
+          <a:p>
+            <a:pPr algn="ctr"/>
+            <a:endParaRPr lang="en-US"/>
+          </a:p>
+        </p:txBody>
+      </p:sp>
+      <p:sp>
+        <p:nvSpPr>
+          <p:cNvPr id="2" name="Title 1">
+            <a:extLst>
+              <a:ext uri="{FF2B5EF4-FFF2-40B4-BE49-F238E27FC236}">
+                <a16:creationId xmlns:a16="http://schemas.microsoft.com/office/drawing/2014/main" id="{6C45BE45-8E9F-491A-8693-357AAC08CFE9}"/>
+              </a:ext>
+            </a:extLst>
+          </p:cNvPr>
+          <p:cNvSpPr>
+            <a:spLocks noGrp="1"/>
+          </p:cNvSpPr>
+          <p:nvPr>
+            <p:ph type="title"/>
+          </p:nvPr>
+        </p:nvSpPr>
+        <p:spPr>
+          <a:xfrm>
+            <a:off x="674237" y="914400"/>
+            <a:ext cx="3657600" cy="2887579"/>
+          </a:xfrm>
+        </p:spPr>
+        <p:txBody>
+          <a:bodyPr vert="horz" lIns="91440" tIns="45720" rIns="91440" bIns="45720" rtlCol="0" anchor="b">
+            <a:normAutofit/>
+          </a:bodyPr>
+          <a:lstStyle/>
+          <a:p>
+            <a:pPr algn="ctr"/>
+            <a:r>
+              <a:rPr lang="en-US" sz="4800" kern="1200" dirty="0">
+                <a:solidFill>
+                  <a:srgbClr val="FFFFFF"/>
+                </a:solidFill>
+                <a:latin typeface="+mj-lt"/>
+                <a:ea typeface="+mj-ea"/>
+                <a:cs typeface="+mj-cs"/>
+              </a:rPr>
+              <a:t>Best Features for Prediction</a:t>
+            </a:r>
+          </a:p>
+        </p:txBody>
+      </p:sp>
+      <p:cxnSp>
+        <p:nvCxnSpPr>
+          <p:cNvPr id="13" name="Straight Connector 12">
+            <a:extLst>
+              <a:ext uri="{FF2B5EF4-FFF2-40B4-BE49-F238E27FC236}">
+                <a16:creationId xmlns:a16="http://schemas.microsoft.com/office/drawing/2014/main" id="{38FB9660-F42F-4313-BBC4-47C007FE484C}"/>
+              </a:ext>
+              <a:ext uri="{C183D7F6-B498-43B3-948B-1728B52AA6E4}">
+                <adec:decorative xmlns:adec="http://schemas.microsoft.com/office/drawing/2017/decorative" val="1"/>
+              </a:ext>
+            </a:extLst>
+          </p:cNvPr>
+          <p:cNvCxnSpPr>
+            <a:cxnSpLocks noGrp="1" noRot="1" noChangeAspect="1" noMove="1" noResize="1" noEditPoints="1" noAdjustHandles="1" noChangeArrowheads="1" noChangeShapeType="1"/>
+          </p:cNvCxnSpPr>
+          <p:nvPr>
+            <p:extLst>
+              <p:ext uri="{386F3935-93C4-4BCD-93E2-E3B085C9AB24}">
+                <p16:designElem xmlns:p16="http://schemas.microsoft.com/office/powerpoint/2015/main" val="1"/>
+              </p:ext>
+            </p:extLst>
+          </p:nvPr>
+        </p:nvCxnSpPr>
+        <p:spPr>
+          <a:xfrm>
+            <a:off x="1191126" y="3910267"/>
+            <a:ext cx="2586790" cy="0"/>
+          </a:xfrm>
+          <a:prstGeom prst="line">
+            <a:avLst/>
+          </a:prstGeom>
+          <a:ln w="22225">
+            <a:solidFill>
+              <a:srgbClr val="D9D9D9"/>
+            </a:solidFill>
+          </a:ln>
+        </p:spPr>
+        <p:style>
+          <a:lnRef idx="1">
+            <a:schemeClr val="accent1"/>
+          </a:lnRef>
+          <a:fillRef idx="0">
+            <a:schemeClr val="accent1"/>
+          </a:fillRef>
+          <a:effectRef idx="0">
+            <a:schemeClr val="accent1"/>
+          </a:effectRef>
+          <a:fontRef idx="minor">
+            <a:schemeClr val="tx1"/>
+          </a:fontRef>
+        </p:style>
+      </p:cxnSp>
+      <p:pic>
+        <p:nvPicPr>
+          <p:cNvPr id="6" name="Picture 5">
+            <a:extLst>
+              <a:ext uri="{FF2B5EF4-FFF2-40B4-BE49-F238E27FC236}">
+                <a16:creationId xmlns:a16="http://schemas.microsoft.com/office/drawing/2014/main" id="{7E35D7DE-F745-48C5-AB12-76EB15302A63}"/>
+              </a:ext>
+            </a:extLst>
+          </p:cNvPr>
+          <p:cNvPicPr>
+            <a:picLocks noChangeAspect="1"/>
+          </p:cNvPicPr>
+          <p:nvPr/>
+        </p:nvPicPr>
+        <p:blipFill>
+          <a:blip r:embed="rId2">
+            <a:extLst>
+              <a:ext uri="{28A0092B-C50C-407E-A947-70E740481C1C}">
+                <a14:useLocalDpi xmlns:a14="http://schemas.microsoft.com/office/drawing/2010/main" val="0"/>
+              </a:ext>
+            </a:extLst>
+          </a:blip>
+          <a:srcRect/>
+          <a:stretch/>
+        </p:blipFill>
+        <p:spPr>
+          <a:xfrm>
+            <a:off x="5186079" y="257206"/>
+            <a:ext cx="6307493" cy="6307493"/>
+          </a:xfrm>
+          <a:prstGeom prst="rect">
+            <a:avLst/>
+          </a:prstGeom>
+        </p:spPr>
+      </p:pic>
+    </p:spTree>
+    <p:extLst>
+      <p:ext uri="{BB962C8B-B14F-4D97-AF65-F5344CB8AC3E}">
+        <p14:creationId xmlns:p14="http://schemas.microsoft.com/office/powerpoint/2010/main" val="1445111204"/>
+      </p:ext>
+    </p:extLst>
+  </p:cSld>
+  <p:clrMapOvr>
+    <a:masterClrMapping/>
+  </p:clrMapOvr>
+</p:sld>
+</file>
+
 <file path=ppt/theme/theme1.xml><?xml version="1.0" encoding="utf-8"?>
 <a:theme xmlns:a="http://schemas.openxmlformats.org/drawingml/2006/main" name="Office Theme">
   <a:themeElements>
